--- a/Intro2ResSim/RelPermAppUsingMATLAB.pptx
+++ b/Intro2ResSim/RelPermAppUsingMATLAB.pptx
@@ -130,9 +130,221 @@
 <file path=ppt/revisionInfo.xml><?xml version="1.0" encoding="utf-8"?>
 <p1510:revInfo xmlns:a="http://schemas.openxmlformats.org/drawingml/2006/main" xmlns:r="http://schemas.openxmlformats.org/officeDocument/2006/relationships" xmlns:p1510="http://schemas.microsoft.com/office/powerpoint/2015/10/main">
   <p1510:revLst>
-    <p1510:client id="{E4042C5E-14D7-2511-5F73-7257CDC5D9C2}" v="3" dt="2022-07-17T09:53:38.994"/>
+    <p1510:client id="{9FD0E68F-00A3-44DE-92CB-65710725A129}" v="18" dt="2022-11-02T13:45:08.955"/>
   </p1510:revLst>
 </p1510:revInfo>
+</file>
+
+<file path=ppt/changesInfos/changesInfo1.xml><?xml version="1.0" encoding="utf-8"?>
+<pc:chgInfo xmlns:a="http://schemas.openxmlformats.org/drawingml/2006/main" xmlns:r="http://schemas.openxmlformats.org/officeDocument/2006/relationships" xmlns:ac="http://schemas.microsoft.com/office/drawing/2013/main/command" xmlns:pc="http://schemas.microsoft.com/office/powerpoint/2013/main/command">
+  <pc:docChgLst>
+    <pc:chgData name="hirose taichi" userId="ed2dc4b0-8795-4813-ada8-f41a239e7d7d" providerId="ADAL" clId="{9FD0E68F-00A3-44DE-92CB-65710725A129}"/>
+    <pc:docChg chg="undo custSel modSld">
+      <pc:chgData name="hirose taichi" userId="ed2dc4b0-8795-4813-ada8-f41a239e7d7d" providerId="ADAL" clId="{9FD0E68F-00A3-44DE-92CB-65710725A129}" dt="2022-11-02T13:46:36.271" v="189" actId="1036"/>
+      <pc:docMkLst>
+        <pc:docMk/>
+      </pc:docMkLst>
+      <pc:sldChg chg="addSp delSp modSp mod">
+        <pc:chgData name="hirose taichi" userId="ed2dc4b0-8795-4813-ada8-f41a239e7d7d" providerId="ADAL" clId="{9FD0E68F-00A3-44DE-92CB-65710725A129}" dt="2022-11-02T13:32:30.765" v="5" actId="1076"/>
+        <pc:sldMkLst>
+          <pc:docMk/>
+          <pc:sldMk cId="1368677357" sldId="260"/>
+        </pc:sldMkLst>
+        <pc:spChg chg="add del mod">
+          <ac:chgData name="hirose taichi" userId="ed2dc4b0-8795-4813-ada8-f41a239e7d7d" providerId="ADAL" clId="{9FD0E68F-00A3-44DE-92CB-65710725A129}" dt="2022-11-02T13:31:20.112" v="2" actId="478"/>
+          <ac:spMkLst>
+            <pc:docMk/>
+            <pc:sldMk cId="1368677357" sldId="260"/>
+            <ac:spMk id="7" creationId="{34AEFEB4-02E2-4DDE-A967-A92292433AA1}"/>
+          </ac:spMkLst>
+        </pc:spChg>
+        <pc:picChg chg="add del mod">
+          <ac:chgData name="hirose taichi" userId="ed2dc4b0-8795-4813-ada8-f41a239e7d7d" providerId="ADAL" clId="{9FD0E68F-00A3-44DE-92CB-65710725A129}" dt="2022-11-02T13:32:22.229" v="3" actId="478"/>
+          <ac:picMkLst>
+            <pc:docMk/>
+            <pc:sldMk cId="1368677357" sldId="260"/>
+            <ac:picMk id="4" creationId="{86E204B2-7714-4317-802B-676DC4DF16EE}"/>
+          </ac:picMkLst>
+        </pc:picChg>
+        <pc:picChg chg="del">
+          <ac:chgData name="hirose taichi" userId="ed2dc4b0-8795-4813-ada8-f41a239e7d7d" providerId="ADAL" clId="{9FD0E68F-00A3-44DE-92CB-65710725A129}" dt="2022-11-02T13:31:12.572" v="1" actId="478"/>
+          <ac:picMkLst>
+            <pc:docMk/>
+            <pc:sldMk cId="1368677357" sldId="260"/>
+            <ac:picMk id="5" creationId="{1AADA124-0727-40E8-947B-467790AD706B}"/>
+          </ac:picMkLst>
+        </pc:picChg>
+        <pc:picChg chg="add mod">
+          <ac:chgData name="hirose taichi" userId="ed2dc4b0-8795-4813-ada8-f41a239e7d7d" providerId="ADAL" clId="{9FD0E68F-00A3-44DE-92CB-65710725A129}" dt="2022-11-02T13:32:30.765" v="5" actId="1076"/>
+          <ac:picMkLst>
+            <pc:docMk/>
+            <pc:sldMk cId="1368677357" sldId="260"/>
+            <ac:picMk id="9" creationId="{EA5F1392-7A8B-4722-A963-79117A3BBAA1}"/>
+          </ac:picMkLst>
+        </pc:picChg>
+      </pc:sldChg>
+      <pc:sldChg chg="addSp delSp modSp mod">
+        <pc:chgData name="hirose taichi" userId="ed2dc4b0-8795-4813-ada8-f41a239e7d7d" providerId="ADAL" clId="{9FD0E68F-00A3-44DE-92CB-65710725A129}" dt="2022-11-02T13:46:36.271" v="189" actId="1036"/>
+        <pc:sldMkLst>
+          <pc:docMk/>
+          <pc:sldMk cId="4128609991" sldId="261"/>
+        </pc:sldMkLst>
+        <pc:spChg chg="ord">
+          <ac:chgData name="hirose taichi" userId="ed2dc4b0-8795-4813-ada8-f41a239e7d7d" providerId="ADAL" clId="{9FD0E68F-00A3-44DE-92CB-65710725A129}" dt="2022-11-02T13:33:54.536" v="21" actId="171"/>
+          <ac:spMkLst>
+            <pc:docMk/>
+            <pc:sldMk cId="4128609991" sldId="261"/>
+            <ac:spMk id="3" creationId="{744706F6-401E-4357-959C-0B7FF0670E07}"/>
+          </ac:spMkLst>
+        </pc:spChg>
+        <pc:spChg chg="mod topLvl">
+          <ac:chgData name="hirose taichi" userId="ed2dc4b0-8795-4813-ada8-f41a239e7d7d" providerId="ADAL" clId="{9FD0E68F-00A3-44DE-92CB-65710725A129}" dt="2022-11-02T13:42:23.649" v="51" actId="164"/>
+          <ac:spMkLst>
+            <pc:docMk/>
+            <pc:sldMk cId="4128609991" sldId="261"/>
+            <ac:spMk id="5" creationId="{0A9B1ECD-5F33-44F9-8FC6-032083A69979}"/>
+          </ac:spMkLst>
+        </pc:spChg>
+        <pc:spChg chg="mod topLvl">
+          <ac:chgData name="hirose taichi" userId="ed2dc4b0-8795-4813-ada8-f41a239e7d7d" providerId="ADAL" clId="{9FD0E68F-00A3-44DE-92CB-65710725A129}" dt="2022-11-02T13:42:23.649" v="51" actId="164"/>
+          <ac:spMkLst>
+            <pc:docMk/>
+            <pc:sldMk cId="4128609991" sldId="261"/>
+            <ac:spMk id="6" creationId="{B6D58645-9679-4484-94B9-B77BD8957593}"/>
+          </ac:spMkLst>
+        </pc:spChg>
+        <pc:spChg chg="mod topLvl">
+          <ac:chgData name="hirose taichi" userId="ed2dc4b0-8795-4813-ada8-f41a239e7d7d" providerId="ADAL" clId="{9FD0E68F-00A3-44DE-92CB-65710725A129}" dt="2022-11-02T13:42:23.649" v="51" actId="164"/>
+          <ac:spMkLst>
+            <pc:docMk/>
+            <pc:sldMk cId="4128609991" sldId="261"/>
+            <ac:spMk id="7" creationId="{D678D913-1919-457B-BBE8-33DE08178CDA}"/>
+          </ac:spMkLst>
+        </pc:spChg>
+        <pc:spChg chg="mod topLvl">
+          <ac:chgData name="hirose taichi" userId="ed2dc4b0-8795-4813-ada8-f41a239e7d7d" providerId="ADAL" clId="{9FD0E68F-00A3-44DE-92CB-65710725A129}" dt="2022-11-02T13:42:23.649" v="51" actId="164"/>
+          <ac:spMkLst>
+            <pc:docMk/>
+            <pc:sldMk cId="4128609991" sldId="261"/>
+            <ac:spMk id="8" creationId="{C60887E6-329F-42B7-8891-59FB856051CD}"/>
+          </ac:spMkLst>
+        </pc:spChg>
+        <pc:spChg chg="add mod ord">
+          <ac:chgData name="hirose taichi" userId="ed2dc4b0-8795-4813-ada8-f41a239e7d7d" providerId="ADAL" clId="{9FD0E68F-00A3-44DE-92CB-65710725A129}" dt="2022-11-02T13:45:31.554" v="108" actId="14100"/>
+          <ac:spMkLst>
+            <pc:docMk/>
+            <pc:sldMk cId="4128609991" sldId="261"/>
+            <ac:spMk id="20" creationId="{5B7021A8-FC30-42AD-BB5D-0D005E988A0F}"/>
+          </ac:spMkLst>
+        </pc:spChg>
+        <pc:spChg chg="add mod ord">
+          <ac:chgData name="hirose taichi" userId="ed2dc4b0-8795-4813-ada8-f41a239e7d7d" providerId="ADAL" clId="{9FD0E68F-00A3-44DE-92CB-65710725A129}" dt="2022-11-02T13:45:26.853" v="107" actId="14100"/>
+          <ac:spMkLst>
+            <pc:docMk/>
+            <pc:sldMk cId="4128609991" sldId="261"/>
+            <ac:spMk id="21" creationId="{6C13BE68-E7CE-413C-9860-B3F9A3BB9223}"/>
+          </ac:spMkLst>
+        </pc:spChg>
+        <pc:spChg chg="add mod">
+          <ac:chgData name="hirose taichi" userId="ed2dc4b0-8795-4813-ada8-f41a239e7d7d" providerId="ADAL" clId="{9FD0E68F-00A3-44DE-92CB-65710725A129}" dt="2022-11-02T13:44:40.816" v="93" actId="255"/>
+          <ac:spMkLst>
+            <pc:docMk/>
+            <pc:sldMk cId="4128609991" sldId="261"/>
+            <ac:spMk id="23" creationId="{05D06D76-8144-4384-ADE5-BA058899624F}"/>
+          </ac:spMkLst>
+        </pc:spChg>
+        <pc:spChg chg="add mod">
+          <ac:chgData name="hirose taichi" userId="ed2dc4b0-8795-4813-ada8-f41a239e7d7d" providerId="ADAL" clId="{9FD0E68F-00A3-44DE-92CB-65710725A129}" dt="2022-11-02T13:44:53.871" v="99" actId="20577"/>
+          <ac:spMkLst>
+            <pc:docMk/>
+            <pc:sldMk cId="4128609991" sldId="261"/>
+            <ac:spMk id="24" creationId="{64E8CD74-3412-4D68-8339-62BFABB4E727}"/>
+          </ac:spMkLst>
+        </pc:spChg>
+        <pc:spChg chg="add mod ord">
+          <ac:chgData name="hirose taichi" userId="ed2dc4b0-8795-4813-ada8-f41a239e7d7d" providerId="ADAL" clId="{9FD0E68F-00A3-44DE-92CB-65710725A129}" dt="2022-11-02T13:46:36.271" v="189" actId="1036"/>
+          <ac:spMkLst>
+            <pc:docMk/>
+            <pc:sldMk cId="4128609991" sldId="261"/>
+            <ac:spMk id="25" creationId="{74416651-41E6-42E8-B088-FF6D41635B3F}"/>
+          </ac:spMkLst>
+        </pc:spChg>
+        <pc:grpChg chg="add del mod">
+          <ac:chgData name="hirose taichi" userId="ed2dc4b0-8795-4813-ada8-f41a239e7d7d" providerId="ADAL" clId="{9FD0E68F-00A3-44DE-92CB-65710725A129}" dt="2022-11-02T13:42:17.109" v="49" actId="165"/>
+          <ac:grpSpMkLst>
+            <pc:docMk/>
+            <pc:sldMk cId="4128609991" sldId="261"/>
+            <ac:grpSpMk id="9" creationId="{73490881-15EC-42D7-98ED-A5F9815B2283}"/>
+          </ac:grpSpMkLst>
+        </pc:grpChg>
+        <pc:grpChg chg="add mod">
+          <ac:chgData name="hirose taichi" userId="ed2dc4b0-8795-4813-ada8-f41a239e7d7d" providerId="ADAL" clId="{9FD0E68F-00A3-44DE-92CB-65710725A129}" dt="2022-11-02T13:42:56.790" v="59" actId="164"/>
+          <ac:grpSpMkLst>
+            <pc:docMk/>
+            <pc:sldMk cId="4128609991" sldId="261"/>
+            <ac:grpSpMk id="18" creationId="{139A3730-7874-4B85-B9F5-D3D1ACC1ADDF}"/>
+          </ac:grpSpMkLst>
+        </pc:grpChg>
+        <pc:grpChg chg="add mod ord">
+          <ac:chgData name="hirose taichi" userId="ed2dc4b0-8795-4813-ada8-f41a239e7d7d" providerId="ADAL" clId="{9FD0E68F-00A3-44DE-92CB-65710725A129}" dt="2022-11-02T13:45:34.780" v="114" actId="170"/>
+          <ac:grpSpMkLst>
+            <pc:docMk/>
+            <pc:sldMk cId="4128609991" sldId="261"/>
+            <ac:grpSpMk id="19" creationId="{743F2122-1F10-42CE-B608-D4FACED010C4}"/>
+          </ac:grpSpMkLst>
+        </pc:grpChg>
+        <pc:picChg chg="del mod topLvl">
+          <ac:chgData name="hirose taichi" userId="ed2dc4b0-8795-4813-ada8-f41a239e7d7d" providerId="ADAL" clId="{9FD0E68F-00A3-44DE-92CB-65710725A129}" dt="2022-11-02T13:45:13.015" v="103" actId="478"/>
+          <ac:picMkLst>
+            <pc:docMk/>
+            <pc:sldMk cId="4128609991" sldId="261"/>
+            <ac:picMk id="4" creationId="{8F53E38C-4D78-4CC8-B964-573CB7D43FE5}"/>
+          </ac:picMkLst>
+        </pc:picChg>
+        <pc:picChg chg="add del mod">
+          <ac:chgData name="hirose taichi" userId="ed2dc4b0-8795-4813-ada8-f41a239e7d7d" providerId="ADAL" clId="{9FD0E68F-00A3-44DE-92CB-65710725A129}" dt="2022-11-02T13:38:07.814" v="22" actId="478"/>
+          <ac:picMkLst>
+            <pc:docMk/>
+            <pc:sldMk cId="4128609991" sldId="261"/>
+            <ac:picMk id="11" creationId="{CF4AB696-D679-431B-A910-D46F131A94D8}"/>
+          </ac:picMkLst>
+        </pc:picChg>
+        <pc:picChg chg="add del mod modCrop">
+          <ac:chgData name="hirose taichi" userId="ed2dc4b0-8795-4813-ada8-f41a239e7d7d" providerId="ADAL" clId="{9FD0E68F-00A3-44DE-92CB-65710725A129}" dt="2022-11-02T13:39:42.420" v="33" actId="478"/>
+          <ac:picMkLst>
+            <pc:docMk/>
+            <pc:sldMk cId="4128609991" sldId="261"/>
+            <ac:picMk id="13" creationId="{FC78C4DA-882E-43ED-A37F-A7F234DF7037}"/>
+          </ac:picMkLst>
+        </pc:picChg>
+        <pc:picChg chg="add del mod modCrop">
+          <ac:chgData name="hirose taichi" userId="ed2dc4b0-8795-4813-ada8-f41a239e7d7d" providerId="ADAL" clId="{9FD0E68F-00A3-44DE-92CB-65710725A129}" dt="2022-11-02T13:41:59.060" v="44" actId="478"/>
+          <ac:picMkLst>
+            <pc:docMk/>
+            <pc:sldMk cId="4128609991" sldId="261"/>
+            <ac:picMk id="15" creationId="{0C451603-1374-4D5D-A513-7DB3936A3894}"/>
+          </ac:picMkLst>
+        </pc:picChg>
+        <pc:picChg chg="add mod modCrop">
+          <ac:chgData name="hirose taichi" userId="ed2dc4b0-8795-4813-ada8-f41a239e7d7d" providerId="ADAL" clId="{9FD0E68F-00A3-44DE-92CB-65710725A129}" dt="2022-11-02T13:42:56.790" v="59" actId="164"/>
+          <ac:picMkLst>
+            <pc:docMk/>
+            <pc:sldMk cId="4128609991" sldId="261"/>
+            <ac:picMk id="17" creationId="{EEC2C505-B776-412E-9822-C3ABC817A7C2}"/>
+          </ac:picMkLst>
+        </pc:picChg>
+        <pc:cxnChg chg="add mod">
+          <ac:chgData name="hirose taichi" userId="ed2dc4b0-8795-4813-ada8-f41a239e7d7d" providerId="ADAL" clId="{9FD0E68F-00A3-44DE-92CB-65710725A129}" dt="2022-11-02T13:46:13.740" v="157" actId="1036"/>
+          <ac:cxnSpMkLst>
+            <pc:docMk/>
+            <pc:sldMk cId="4128609991" sldId="261"/>
+            <ac:cxnSpMk id="27" creationId="{7F87D7D9-6D4A-4B67-931E-D503A3BA1D92}"/>
+          </ac:cxnSpMkLst>
+        </pc:cxnChg>
+      </pc:sldChg>
+    </pc:docChg>
+  </pc:docChgLst>
+</pc:chgInfo>
 </file>
 
 <file path=ppt/notesMasters/notesMaster1.xml><?xml version="1.0" encoding="utf-8"?>
@@ -517,6 +729,90 @@
 </file>
 
 <file path=ppt/notesSlides/notesSlide1.xml><?xml version="1.0" encoding="utf-8"?>
+<p:notes xmlns:a="http://schemas.openxmlformats.org/drawingml/2006/main" xmlns:r="http://schemas.openxmlformats.org/officeDocument/2006/relationships" xmlns:p="http://schemas.openxmlformats.org/presentationml/2006/main">
+  <p:cSld>
+    <p:spTree>
+      <p:nvGrpSpPr>
+        <p:cNvPr id="1" name=""/>
+        <p:cNvGrpSpPr/>
+        <p:nvPr/>
+      </p:nvGrpSpPr>
+      <p:grpSpPr>
+        <a:xfrm>
+          <a:off x="0" y="0"/>
+          <a:ext cx="0" cy="0"/>
+          <a:chOff x="0" y="0"/>
+          <a:chExt cx="0" cy="0"/>
+        </a:xfrm>
+      </p:grpSpPr>
+      <p:sp>
+        <p:nvSpPr>
+          <p:cNvPr id="2" name="スライド イメージ プレースホルダー 1"/>
+          <p:cNvSpPr>
+            <a:spLocks noGrp="1" noRot="1" noChangeAspect="1"/>
+          </p:cNvSpPr>
+          <p:nvPr>
+            <p:ph type="sldImg"/>
+          </p:nvPr>
+        </p:nvSpPr>
+        <p:spPr/>
+      </p:sp>
+      <p:sp>
+        <p:nvSpPr>
+          <p:cNvPr id="3" name="ノート プレースホルダー 2"/>
+          <p:cNvSpPr>
+            <a:spLocks noGrp="1"/>
+          </p:cNvSpPr>
+          <p:nvPr>
+            <p:ph type="body" idx="1"/>
+          </p:nvPr>
+        </p:nvSpPr>
+        <p:spPr/>
+        <p:txBody>
+          <a:bodyPr/>
+          <a:lstStyle/>
+          <a:p>
+            <a:endParaRPr kumimoji="1" lang="ja-JP" altLang="en-US" dirty="0"/>
+          </a:p>
+        </p:txBody>
+      </p:sp>
+      <p:sp>
+        <p:nvSpPr>
+          <p:cNvPr id="4" name="スライド番号プレースホルダー 3"/>
+          <p:cNvSpPr>
+            <a:spLocks noGrp="1"/>
+          </p:cNvSpPr>
+          <p:nvPr>
+            <p:ph type="sldNum" sz="quarter" idx="5"/>
+          </p:nvPr>
+        </p:nvSpPr>
+        <p:spPr/>
+        <p:txBody>
+          <a:bodyPr/>
+          <a:lstStyle/>
+          <a:p>
+            <a:fld id="{AFB498B4-9672-497E-A8BA-AF7C2FD0342C}" type="slidenum">
+              <a:rPr kumimoji="1" lang="ja-JP" altLang="en-US" smtClean="0"/>
+              <a:t>8</a:t>
+            </a:fld>
+            <a:endParaRPr kumimoji="1" lang="ja-JP" altLang="en-US"/>
+          </a:p>
+        </p:txBody>
+      </p:sp>
+    </p:spTree>
+    <p:extLst>
+      <p:ext uri="{BB962C8B-B14F-4D97-AF65-F5344CB8AC3E}">
+        <p14:creationId xmlns:p14="http://schemas.microsoft.com/office/powerpoint/2010/main" val="945207022"/>
+      </p:ext>
+    </p:extLst>
+  </p:cSld>
+  <p:clrMapOvr>
+    <a:masterClrMapping/>
+  </p:clrMapOvr>
+</p:notes>
+</file>
+
+<file path=ppt/notesSlides/notesSlide2.xml><?xml version="1.0" encoding="utf-8"?>
 <p:notes xmlns:a="http://schemas.openxmlformats.org/drawingml/2006/main" xmlns:r="http://schemas.openxmlformats.org/officeDocument/2006/relationships" xmlns:p="http://schemas.openxmlformats.org/presentationml/2006/main">
   <p:cSld>
     <p:spTree>
@@ -12593,41 +12889,6 @@
           <a:chExt cx="0" cy="0"/>
         </a:xfrm>
       </p:grpSpPr>
-      <p:pic>
-        <p:nvPicPr>
-          <p:cNvPr id="5" name="コンテンツ プレースホルダー 4" descr="ダイアグラム&#10;&#10;自動的に生成された説明">
-            <a:extLst>
-              <a:ext uri="{FF2B5EF4-FFF2-40B4-BE49-F238E27FC236}">
-                <a16:creationId xmlns:a16="http://schemas.microsoft.com/office/drawing/2014/main" id="{1AADA124-0727-40E8-947B-467790AD706B}"/>
-              </a:ext>
-            </a:extLst>
-          </p:cNvPr>
-          <p:cNvPicPr>
-            <a:picLocks noGrp="1" noChangeAspect="1"/>
-          </p:cNvPicPr>
-          <p:nvPr>
-            <p:ph idx="1"/>
-          </p:nvPr>
-        </p:nvPicPr>
-        <p:blipFill>
-          <a:blip r:embed="rId2">
-            <a:extLst>
-              <a:ext uri="{28A0092B-C50C-407E-A947-70E740481C1C}">
-                <a14:useLocalDpi xmlns:a14="http://schemas.microsoft.com/office/drawing/2010/main" val="0"/>
-              </a:ext>
-            </a:extLst>
-          </a:blip>
-          <a:stretch>
-            <a:fillRect/>
-          </a:stretch>
-        </p:blipFill>
-        <p:spPr>
-          <a:xfrm>
-            <a:off x="628650" y="1216752"/>
-            <a:ext cx="8409775" cy="5641248"/>
-          </a:xfrm>
-        </p:spPr>
-      </p:pic>
       <p:sp>
         <p:nvSpPr>
           <p:cNvPr id="2" name="タイトル 1">
@@ -12660,6 +12921,45 @@
           </a:p>
         </p:txBody>
       </p:sp>
+      <p:pic>
+        <p:nvPicPr>
+          <p:cNvPr id="9" name="グラフィックス 8">
+            <a:extLst>
+              <a:ext uri="{FF2B5EF4-FFF2-40B4-BE49-F238E27FC236}">
+                <a16:creationId xmlns:a16="http://schemas.microsoft.com/office/drawing/2014/main" id="{EA5F1392-7A8B-4722-A963-79117A3BBAA1}"/>
+              </a:ext>
+            </a:extLst>
+          </p:cNvPr>
+          <p:cNvPicPr>
+            <a:picLocks noChangeAspect="1"/>
+          </p:cNvPicPr>
+          <p:nvPr/>
+        </p:nvPicPr>
+        <p:blipFill>
+          <a:blip r:embed="rId2">
+            <a:extLst>
+              <a:ext uri="{28A0092B-C50C-407E-A947-70E740481C1C}">
+                <a14:useLocalDpi xmlns:a14="http://schemas.microsoft.com/office/drawing/2010/main" val="0"/>
+              </a:ext>
+              <a:ext uri="{96DAC541-7B7A-43D3-8B79-37D633B846F1}">
+                <asvg:svgBlip xmlns:asvg="http://schemas.microsoft.com/office/drawing/2016/SVG/main" r:embed="rId3"/>
+              </a:ext>
+            </a:extLst>
+          </a:blip>
+          <a:stretch>
+            <a:fillRect/>
+          </a:stretch>
+        </p:blipFill>
+        <p:spPr>
+          <a:xfrm>
+            <a:off x="0" y="1109247"/>
+            <a:ext cx="9144000" cy="5486400"/>
+          </a:xfrm>
+          <a:prstGeom prst="rect">
+            <a:avLst/>
+          </a:prstGeom>
+        </p:spPr>
+      </p:pic>
     </p:spTree>
     <p:extLst>
       <p:ext uri="{BB962C8B-B14F-4D97-AF65-F5344CB8AC3E}">
@@ -12690,238 +12990,6 @@
           <a:chExt cx="0" cy="0"/>
         </a:xfrm>
       </p:grpSpPr>
-      <p:sp>
-        <p:nvSpPr>
-          <p:cNvPr id="2" name="タイトル 1">
-            <a:extLst>
-              <a:ext uri="{FF2B5EF4-FFF2-40B4-BE49-F238E27FC236}">
-                <a16:creationId xmlns:a16="http://schemas.microsoft.com/office/drawing/2014/main" id="{9123FBEC-F9DC-4584-B020-9F82232B9907}"/>
-              </a:ext>
-            </a:extLst>
-          </p:cNvPr>
-          <p:cNvSpPr>
-            <a:spLocks noGrp="1"/>
-          </p:cNvSpPr>
-          <p:nvPr>
-            <p:ph type="title"/>
-          </p:nvPr>
-        </p:nvSpPr>
-        <p:spPr/>
-        <p:txBody>
-          <a:bodyPr/>
-          <a:lstStyle/>
-          <a:p>
-            <a:r>
-              <a:rPr kumimoji="1" lang="en-US" altLang="ja-JP" dirty="0"/>
-              <a:t>2. </a:t>
-            </a:r>
-            <a:r>
-              <a:rPr kumimoji="1" lang="ja-JP" altLang="en-US" dirty="0"/>
-              <a:t>相対浸透率</a:t>
-            </a:r>
-          </a:p>
-        </p:txBody>
-      </p:sp>
-      <p:grpSp>
-        <p:nvGrpSpPr>
-          <p:cNvPr id="9" name="グループ化 8">
-            <a:extLst>
-              <a:ext uri="{FF2B5EF4-FFF2-40B4-BE49-F238E27FC236}">
-                <a16:creationId xmlns:a16="http://schemas.microsoft.com/office/drawing/2014/main" id="{73490881-15EC-42D7-98ED-A5F9815B2283}"/>
-              </a:ext>
-            </a:extLst>
-          </p:cNvPr>
-          <p:cNvGrpSpPr/>
-          <p:nvPr/>
-        </p:nvGrpSpPr>
-        <p:grpSpPr>
-          <a:xfrm>
-            <a:off x="4217158" y="1825626"/>
-            <a:ext cx="4740152" cy="4186214"/>
-            <a:chOff x="4217158" y="1825626"/>
-            <a:chExt cx="4740152" cy="4186214"/>
-          </a:xfrm>
-        </p:grpSpPr>
-        <p:pic>
-          <p:nvPicPr>
-            <p:cNvPr id="4" name="コンテンツ プレースホルダー 4" descr="ダイアグラム&#10;&#10;自動的に生成された説明">
-              <a:extLst>
-                <a:ext uri="{FF2B5EF4-FFF2-40B4-BE49-F238E27FC236}">
-                  <a16:creationId xmlns:a16="http://schemas.microsoft.com/office/drawing/2014/main" id="{8F53E38C-4D78-4CC8-B964-573CB7D43FE5}"/>
-                </a:ext>
-              </a:extLst>
-            </p:cNvPr>
-            <p:cNvPicPr>
-              <a:picLocks noChangeAspect="1"/>
-            </p:cNvPicPr>
-            <p:nvPr/>
-          </p:nvPicPr>
-          <p:blipFill rotWithShape="1">
-            <a:blip r:embed="rId2">
-              <a:extLst>
-                <a:ext uri="{28A0092B-C50C-407E-A947-70E740481C1C}">
-                  <a14:useLocalDpi xmlns:a14="http://schemas.microsoft.com/office/drawing/2010/main" val="0"/>
-                </a:ext>
-              </a:extLst>
-            </a:blip>
-            <a:srcRect l="13608" t="5446" r="19993" b="3107"/>
-            <a:stretch/>
-          </p:blipFill>
-          <p:spPr>
-            <a:xfrm>
-              <a:off x="4217158" y="1825626"/>
-              <a:ext cx="4740152" cy="4186214"/>
-            </a:xfrm>
-            <a:prstGeom prst="rect">
-              <a:avLst/>
-            </a:prstGeom>
-          </p:spPr>
-        </p:pic>
-        <p:sp>
-          <p:nvSpPr>
-            <p:cNvPr id="5" name="テキスト ボックス 4">
-              <a:extLst>
-                <a:ext uri="{FF2B5EF4-FFF2-40B4-BE49-F238E27FC236}">
-                  <a16:creationId xmlns:a16="http://schemas.microsoft.com/office/drawing/2014/main" id="{0A9B1ECD-5F33-44F9-8FC6-032083A69979}"/>
-                </a:ext>
-              </a:extLst>
-            </p:cNvPr>
-            <p:cNvSpPr txBox="1"/>
-            <p:nvPr/>
-          </p:nvSpPr>
-          <p:spPr>
-            <a:xfrm>
-              <a:off x="4782552" y="2405617"/>
-              <a:ext cx="619626" cy="430887"/>
-            </a:xfrm>
-            <a:prstGeom prst="rect">
-              <a:avLst/>
-            </a:prstGeom>
-            <a:noFill/>
-          </p:spPr>
-          <p:txBody>
-            <a:bodyPr wrap="square" rtlCol="0" anchor="ctr">
-              <a:spAutoFit/>
-            </a:bodyPr>
-            <a:lstStyle/>
-            <a:p>
-              <a:pPr algn="ctr"/>
-              <a:r>
-                <a:rPr kumimoji="1" lang="ja-JP" altLang="en-US" sz="2200" dirty="0"/>
-                <a:t>①</a:t>
-              </a:r>
-            </a:p>
-          </p:txBody>
-        </p:sp>
-        <p:sp>
-          <p:nvSpPr>
-            <p:cNvPr id="6" name="テキスト ボックス 5">
-              <a:extLst>
-                <a:ext uri="{FF2B5EF4-FFF2-40B4-BE49-F238E27FC236}">
-                  <a16:creationId xmlns:a16="http://schemas.microsoft.com/office/drawing/2014/main" id="{B6D58645-9679-4484-94B9-B77BD8957593}"/>
-                </a:ext>
-              </a:extLst>
-            </p:cNvPr>
-            <p:cNvSpPr txBox="1"/>
-            <p:nvPr/>
-          </p:nvSpPr>
-          <p:spPr>
-            <a:xfrm>
-              <a:off x="6027819" y="4753780"/>
-              <a:ext cx="619626" cy="430887"/>
-            </a:xfrm>
-            <a:prstGeom prst="rect">
-              <a:avLst/>
-            </a:prstGeom>
-            <a:noFill/>
-          </p:spPr>
-          <p:txBody>
-            <a:bodyPr wrap="square" rtlCol="0" anchor="ctr">
-              <a:spAutoFit/>
-            </a:bodyPr>
-            <a:lstStyle/>
-            <a:p>
-              <a:pPr algn="ctr"/>
-              <a:r>
-                <a:rPr kumimoji="1" lang="ja-JP" altLang="en-US" sz="2200" dirty="0"/>
-                <a:t>②</a:t>
-              </a:r>
-            </a:p>
-          </p:txBody>
-        </p:sp>
-        <p:sp>
-          <p:nvSpPr>
-            <p:cNvPr id="7" name="テキスト ボックス 6">
-              <a:extLst>
-                <a:ext uri="{FF2B5EF4-FFF2-40B4-BE49-F238E27FC236}">
-                  <a16:creationId xmlns:a16="http://schemas.microsoft.com/office/drawing/2014/main" id="{D678D913-1919-457B-BBE8-33DE08178CDA}"/>
-                </a:ext>
-              </a:extLst>
-            </p:cNvPr>
-            <p:cNvSpPr txBox="1"/>
-            <p:nvPr/>
-          </p:nvSpPr>
-          <p:spPr>
-            <a:xfrm>
-              <a:off x="6027819" y="3324028"/>
-              <a:ext cx="619626" cy="430887"/>
-            </a:xfrm>
-            <a:prstGeom prst="rect">
-              <a:avLst/>
-            </a:prstGeom>
-            <a:noFill/>
-          </p:spPr>
-          <p:txBody>
-            <a:bodyPr wrap="square" rtlCol="0" anchor="ctr">
-              <a:spAutoFit/>
-            </a:bodyPr>
-            <a:lstStyle/>
-            <a:p>
-              <a:pPr algn="ctr"/>
-              <a:r>
-                <a:rPr kumimoji="1" lang="ja-JP" altLang="en-US" sz="2200" dirty="0"/>
-                <a:t>③</a:t>
-              </a:r>
-            </a:p>
-          </p:txBody>
-        </p:sp>
-        <p:sp>
-          <p:nvSpPr>
-            <p:cNvPr id="8" name="テキスト ボックス 7">
-              <a:extLst>
-                <a:ext uri="{FF2B5EF4-FFF2-40B4-BE49-F238E27FC236}">
-                  <a16:creationId xmlns:a16="http://schemas.microsoft.com/office/drawing/2014/main" id="{C60887E6-329F-42B7-8891-59FB856051CD}"/>
-                </a:ext>
-              </a:extLst>
-            </p:cNvPr>
-            <p:cNvSpPr txBox="1"/>
-            <p:nvPr/>
-          </p:nvSpPr>
-          <p:spPr>
-            <a:xfrm>
-              <a:off x="7895724" y="3740520"/>
-              <a:ext cx="619626" cy="430887"/>
-            </a:xfrm>
-            <a:prstGeom prst="rect">
-              <a:avLst/>
-            </a:prstGeom>
-            <a:noFill/>
-          </p:spPr>
-          <p:txBody>
-            <a:bodyPr wrap="square" rtlCol="0" anchor="ctr">
-              <a:spAutoFit/>
-            </a:bodyPr>
-            <a:lstStyle/>
-            <a:p>
-              <a:pPr algn="ctr"/>
-              <a:r>
-                <a:rPr kumimoji="1" lang="ja-JP" altLang="en-US" sz="2200" dirty="0"/>
-                <a:t>④</a:t>
-              </a:r>
-            </a:p>
-          </p:txBody>
-        </p:sp>
-      </p:grpSp>
       <mc:AlternateContent xmlns:mc="http://schemas.openxmlformats.org/markup-compatibility/2006" xmlns:a14="http://schemas.microsoft.com/office/drawing/2010/main">
         <mc:Choice Requires="a14">
           <p:sp>
@@ -13396,6 +13464,773 @@
                   <a:fillRect l="-2318"/>
                 </a:stretch>
               </a:blipFill>
+            </p:spPr>
+            <p:txBody>
+              <a:bodyPr/>
+              <a:lstStyle/>
+              <a:p>
+                <a:r>
+                  <a:rPr lang="ja-JP" altLang="en-US">
+                    <a:noFill/>
+                  </a:rPr>
+                  <a:t> </a:t>
+                </a:r>
+              </a:p>
+            </p:txBody>
+          </p:sp>
+        </mc:Fallback>
+      </mc:AlternateContent>
+      <p:sp>
+        <p:nvSpPr>
+          <p:cNvPr id="2" name="タイトル 1">
+            <a:extLst>
+              <a:ext uri="{FF2B5EF4-FFF2-40B4-BE49-F238E27FC236}">
+                <a16:creationId xmlns:a16="http://schemas.microsoft.com/office/drawing/2014/main" id="{9123FBEC-F9DC-4584-B020-9F82232B9907}"/>
+              </a:ext>
+            </a:extLst>
+          </p:cNvPr>
+          <p:cNvSpPr>
+            <a:spLocks noGrp="1"/>
+          </p:cNvSpPr>
+          <p:nvPr>
+            <p:ph type="title"/>
+          </p:nvPr>
+        </p:nvSpPr>
+        <p:spPr/>
+        <p:txBody>
+          <a:bodyPr/>
+          <a:lstStyle/>
+          <a:p>
+            <a:r>
+              <a:rPr kumimoji="1" lang="en-US" altLang="ja-JP" dirty="0"/>
+              <a:t>2. </a:t>
+            </a:r>
+            <a:r>
+              <a:rPr kumimoji="1" lang="ja-JP" altLang="en-US" dirty="0"/>
+              <a:t>相対浸透率</a:t>
+            </a:r>
+          </a:p>
+        </p:txBody>
+      </p:sp>
+      <p:sp>
+        <p:nvSpPr>
+          <p:cNvPr id="21" name="正方形/長方形 20">
+            <a:extLst>
+              <a:ext uri="{FF2B5EF4-FFF2-40B4-BE49-F238E27FC236}">
+                <a16:creationId xmlns:a16="http://schemas.microsoft.com/office/drawing/2014/main" id="{6C13BE68-E7CE-413C-9860-B3F9A3BB9223}"/>
+              </a:ext>
+            </a:extLst>
+          </p:cNvPr>
+          <p:cNvSpPr/>
+          <p:nvPr/>
+        </p:nvSpPr>
+        <p:spPr>
+          <a:xfrm>
+            <a:off x="8057834" y="1825624"/>
+            <a:ext cx="922280" cy="3943684"/>
+          </a:xfrm>
+          <a:prstGeom prst="rect">
+            <a:avLst/>
+          </a:prstGeom>
+          <a:solidFill>
+            <a:srgbClr val="D5FFCE"/>
+          </a:solidFill>
+          <a:ln>
+            <a:noFill/>
+          </a:ln>
+        </p:spPr>
+        <p:style>
+          <a:lnRef idx="2">
+            <a:schemeClr val="accent1">
+              <a:shade val="50000"/>
+            </a:schemeClr>
+          </a:lnRef>
+          <a:fillRef idx="1">
+            <a:schemeClr val="accent1"/>
+          </a:fillRef>
+          <a:effectRef idx="0">
+            <a:schemeClr val="accent1"/>
+          </a:effectRef>
+          <a:fontRef idx="minor">
+            <a:schemeClr val="lt1"/>
+          </a:fontRef>
+        </p:style>
+        <p:txBody>
+          <a:bodyPr rtlCol="0" anchor="ctr"/>
+          <a:lstStyle/>
+          <a:p>
+            <a:pPr algn="ctr"/>
+            <a:endParaRPr kumimoji="1" lang="ja-JP" altLang="en-US"/>
+          </a:p>
+        </p:txBody>
+      </p:sp>
+      <p:sp>
+        <p:nvSpPr>
+          <p:cNvPr id="20" name="正方形/長方形 19">
+            <a:extLst>
+              <a:ext uri="{FF2B5EF4-FFF2-40B4-BE49-F238E27FC236}">
+                <a16:creationId xmlns:a16="http://schemas.microsoft.com/office/drawing/2014/main" id="{5B7021A8-FC30-42AD-BB5D-0D005E988A0F}"/>
+              </a:ext>
+            </a:extLst>
+          </p:cNvPr>
+          <p:cNvSpPr/>
+          <p:nvPr/>
+        </p:nvSpPr>
+        <p:spPr>
+          <a:xfrm>
+            <a:off x="4940790" y="1825625"/>
+            <a:ext cx="922280" cy="3943684"/>
+          </a:xfrm>
+          <a:prstGeom prst="rect">
+            <a:avLst/>
+          </a:prstGeom>
+          <a:solidFill>
+            <a:srgbClr val="D5FFFF"/>
+          </a:solidFill>
+          <a:ln>
+            <a:noFill/>
+          </a:ln>
+        </p:spPr>
+        <p:style>
+          <a:lnRef idx="2">
+            <a:schemeClr val="accent1">
+              <a:shade val="50000"/>
+            </a:schemeClr>
+          </a:lnRef>
+          <a:fillRef idx="1">
+            <a:schemeClr val="accent1"/>
+          </a:fillRef>
+          <a:effectRef idx="0">
+            <a:schemeClr val="accent1"/>
+          </a:effectRef>
+          <a:fontRef idx="minor">
+            <a:schemeClr val="lt1"/>
+          </a:fontRef>
+        </p:style>
+        <p:txBody>
+          <a:bodyPr rtlCol="0" anchor="ctr"/>
+          <a:lstStyle/>
+          <a:p>
+            <a:pPr algn="ctr"/>
+            <a:endParaRPr kumimoji="1" lang="ja-JP" altLang="en-US"/>
+          </a:p>
+        </p:txBody>
+      </p:sp>
+      <mc:AlternateContent xmlns:mc="http://schemas.openxmlformats.org/markup-compatibility/2006">
+        <mc:Choice xmlns:a14="http://schemas.microsoft.com/office/drawing/2010/main" Requires="a14">
+          <p:sp>
+            <p:nvSpPr>
+              <p:cNvPr id="23" name="テキスト ボックス 22">
+                <a:extLst>
+                  <a:ext uri="{FF2B5EF4-FFF2-40B4-BE49-F238E27FC236}">
+                    <a16:creationId xmlns:a16="http://schemas.microsoft.com/office/drawing/2014/main" id="{05D06D76-8144-4384-ADE5-BA058899624F}"/>
+                  </a:ext>
+                </a:extLst>
+              </p:cNvPr>
+              <p:cNvSpPr txBox="1"/>
+              <p:nvPr/>
+            </p:nvSpPr>
+            <p:spPr>
+              <a:xfrm>
+                <a:off x="5273382" y="5923421"/>
+                <a:ext cx="954815" cy="400110"/>
+              </a:xfrm>
+              <a:prstGeom prst="rect">
+                <a:avLst/>
+              </a:prstGeom>
+              <a:noFill/>
+            </p:spPr>
+            <p:txBody>
+              <a:bodyPr wrap="square">
+                <a:spAutoFit/>
+              </a:bodyPr>
+              <a:lstStyle/>
+              <a:p>
+                <a:pPr/>
+                <a14:m>
+                  <m:oMathPara xmlns:m="http://schemas.openxmlformats.org/officeDocument/2006/math">
+                    <m:oMathParaPr>
+                      <m:jc m:val="centerGroup"/>
+                    </m:oMathParaPr>
+                    <m:oMath xmlns:m="http://schemas.openxmlformats.org/officeDocument/2006/math">
+                      <m:sSub>
+                        <m:sSubPr>
+                          <m:ctrlPr>
+                            <a:rPr lang="en-US" altLang="ja-JP" sz="2000" i="1" smtClean="0">
+                              <a:latin typeface="Cambria Math" panose="02040503050406030204" pitchFamily="18" charset="0"/>
+                            </a:rPr>
+                          </m:ctrlPr>
+                        </m:sSubPr>
+                        <m:e>
+                          <m:r>
+                            <a:rPr lang="en-US" altLang="ja-JP" sz="2000" i="1">
+                              <a:latin typeface="Cambria Math" panose="02040503050406030204" pitchFamily="18" charset="0"/>
+                            </a:rPr>
+                            <m:t>𝑆</m:t>
+                          </m:r>
+                        </m:e>
+                        <m:sub>
+                          <m:r>
+                            <a:rPr lang="en-US" altLang="ja-JP" sz="2000" i="1">
+                              <a:latin typeface="Cambria Math" panose="02040503050406030204" pitchFamily="18" charset="0"/>
+                            </a:rPr>
+                            <m:t>𝑤</m:t>
+                          </m:r>
+                          <m:r>
+                            <a:rPr lang="en-US" altLang="ja-JP" sz="2000" b="0" i="1" smtClean="0">
+                              <a:latin typeface="Cambria Math" panose="02040503050406030204" pitchFamily="18" charset="0"/>
+                            </a:rPr>
+                            <m:t>𝑐</m:t>
+                          </m:r>
+                        </m:sub>
+                      </m:sSub>
+                    </m:oMath>
+                  </m:oMathPara>
+                </a14:m>
+                <a:endParaRPr lang="ja-JP" altLang="en-US" sz="2000" dirty="0"/>
+              </a:p>
+            </p:txBody>
+          </p:sp>
+        </mc:Choice>
+        <mc:Fallback>
+          <p:sp>
+            <p:nvSpPr>
+              <p:cNvPr id="23" name="テキスト ボックス 22">
+                <a:extLst>
+                  <a:ext uri="{FF2B5EF4-FFF2-40B4-BE49-F238E27FC236}">
+                    <a16:creationId xmlns:a16="http://schemas.microsoft.com/office/drawing/2014/main" id="{05D06D76-8144-4384-ADE5-BA058899624F}"/>
+                  </a:ext>
+                </a:extLst>
+              </p:cNvPr>
+              <p:cNvSpPr txBox="1">
+                <a:spLocks noRot="1" noChangeAspect="1" noMove="1" noResize="1" noEditPoints="1" noAdjustHandles="1" noChangeArrowheads="1" noChangeShapeType="1" noTextEdit="1"/>
+              </p:cNvSpPr>
+              <p:nvPr/>
+            </p:nvSpPr>
+            <p:spPr>
+              <a:xfrm>
+                <a:off x="5273382" y="5923421"/>
+                <a:ext cx="954815" cy="400110"/>
+              </a:xfrm>
+              <a:prstGeom prst="rect">
+                <a:avLst/>
+              </a:prstGeom>
+              <a:blipFill>
+                <a:blip r:embed="rId4"/>
+                <a:stretch>
+                  <a:fillRect/>
+                </a:stretch>
+              </a:blipFill>
+            </p:spPr>
+            <p:txBody>
+              <a:bodyPr/>
+              <a:lstStyle/>
+              <a:p>
+                <a:r>
+                  <a:rPr lang="ja-JP" altLang="en-US">
+                    <a:noFill/>
+                  </a:rPr>
+                  <a:t> </a:t>
+                </a:r>
+              </a:p>
+            </p:txBody>
+          </p:sp>
+        </mc:Fallback>
+      </mc:AlternateContent>
+      <mc:AlternateContent xmlns:mc="http://schemas.openxmlformats.org/markup-compatibility/2006">
+        <mc:Choice xmlns:a14="http://schemas.microsoft.com/office/drawing/2010/main" Requires="a14">
+          <p:sp>
+            <p:nvSpPr>
+              <p:cNvPr id="24" name="テキスト ボックス 23">
+                <a:extLst>
+                  <a:ext uri="{FF2B5EF4-FFF2-40B4-BE49-F238E27FC236}">
+                    <a16:creationId xmlns:a16="http://schemas.microsoft.com/office/drawing/2014/main" id="{64E8CD74-3412-4D68-8339-62BFABB4E727}"/>
+                  </a:ext>
+                </a:extLst>
+              </p:cNvPr>
+              <p:cNvSpPr txBox="1"/>
+              <p:nvPr/>
+            </p:nvSpPr>
+            <p:spPr>
+              <a:xfrm>
+                <a:off x="7692706" y="5904243"/>
+                <a:ext cx="954815" cy="400110"/>
+              </a:xfrm>
+              <a:prstGeom prst="rect">
+                <a:avLst/>
+              </a:prstGeom>
+              <a:noFill/>
+            </p:spPr>
+            <p:txBody>
+              <a:bodyPr wrap="square">
+                <a:spAutoFit/>
+              </a:bodyPr>
+              <a:lstStyle/>
+              <a:p>
+                <a:pPr/>
+                <a14:m>
+                  <m:oMathPara xmlns:m="http://schemas.openxmlformats.org/officeDocument/2006/math">
+                    <m:oMathParaPr>
+                      <m:jc m:val="centerGroup"/>
+                    </m:oMathParaPr>
+                    <m:oMath xmlns:m="http://schemas.openxmlformats.org/officeDocument/2006/math">
+                      <m:sSub>
+                        <m:sSubPr>
+                          <m:ctrlPr>
+                            <a:rPr lang="en-US" altLang="ja-JP" sz="2000" i="1" smtClean="0">
+                              <a:latin typeface="Cambria Math" panose="02040503050406030204" pitchFamily="18" charset="0"/>
+                            </a:rPr>
+                          </m:ctrlPr>
+                        </m:sSubPr>
+                        <m:e>
+                          <m:r>
+                            <a:rPr lang="en-US" altLang="ja-JP" sz="2000" i="1">
+                              <a:latin typeface="Cambria Math" panose="02040503050406030204" pitchFamily="18" charset="0"/>
+                            </a:rPr>
+                            <m:t>𝑆</m:t>
+                          </m:r>
+                        </m:e>
+                        <m:sub>
+                          <m:r>
+                            <a:rPr lang="en-US" altLang="ja-JP" sz="2000" b="0" i="1" smtClean="0">
+                              <a:latin typeface="Cambria Math" panose="02040503050406030204" pitchFamily="18" charset="0"/>
+                            </a:rPr>
+                            <m:t>𝑜𝑟</m:t>
+                          </m:r>
+                        </m:sub>
+                      </m:sSub>
+                    </m:oMath>
+                  </m:oMathPara>
+                </a14:m>
+                <a:endParaRPr lang="ja-JP" altLang="en-US" sz="2000" dirty="0"/>
+              </a:p>
+            </p:txBody>
+          </p:sp>
+        </mc:Choice>
+        <mc:Fallback>
+          <p:sp>
+            <p:nvSpPr>
+              <p:cNvPr id="24" name="テキスト ボックス 23">
+                <a:extLst>
+                  <a:ext uri="{FF2B5EF4-FFF2-40B4-BE49-F238E27FC236}">
+                    <a16:creationId xmlns:a16="http://schemas.microsoft.com/office/drawing/2014/main" id="{64E8CD74-3412-4D68-8339-62BFABB4E727}"/>
+                  </a:ext>
+                </a:extLst>
+              </p:cNvPr>
+              <p:cNvSpPr txBox="1">
+                <a:spLocks noRot="1" noChangeAspect="1" noMove="1" noResize="1" noEditPoints="1" noAdjustHandles="1" noChangeArrowheads="1" noChangeShapeType="1" noTextEdit="1"/>
+              </p:cNvSpPr>
+              <p:nvPr/>
+            </p:nvSpPr>
+            <p:spPr>
+              <a:xfrm>
+                <a:off x="7692706" y="5904243"/>
+                <a:ext cx="954815" cy="400110"/>
+              </a:xfrm>
+              <a:prstGeom prst="rect">
+                <a:avLst/>
+              </a:prstGeom>
+              <a:blipFill>
+                <a:blip r:embed="rId5"/>
+                <a:stretch>
+                  <a:fillRect/>
+                </a:stretch>
+              </a:blipFill>
+            </p:spPr>
+            <p:txBody>
+              <a:bodyPr/>
+              <a:lstStyle/>
+              <a:p>
+                <a:r>
+                  <a:rPr lang="ja-JP" altLang="en-US">
+                    <a:noFill/>
+                  </a:rPr>
+                  <a:t> </a:t>
+                </a:r>
+              </a:p>
+            </p:txBody>
+          </p:sp>
+        </mc:Fallback>
+      </mc:AlternateContent>
+      <p:grpSp>
+        <p:nvGrpSpPr>
+          <p:cNvPr id="19" name="グループ化 18">
+            <a:extLst>
+              <a:ext uri="{FF2B5EF4-FFF2-40B4-BE49-F238E27FC236}">
+                <a16:creationId xmlns:a16="http://schemas.microsoft.com/office/drawing/2014/main" id="{743F2122-1F10-42CE-B608-D4FACED010C4}"/>
+              </a:ext>
+            </a:extLst>
+          </p:cNvPr>
+          <p:cNvGrpSpPr/>
+          <p:nvPr/>
+        </p:nvGrpSpPr>
+        <p:grpSpPr>
+          <a:xfrm>
+            <a:off x="4572000" y="1631775"/>
+            <a:ext cx="4511377" cy="4460858"/>
+            <a:chOff x="4531584" y="1773229"/>
+            <a:chExt cx="4511377" cy="4460858"/>
+          </a:xfrm>
+        </p:grpSpPr>
+        <p:grpSp>
+          <p:nvGrpSpPr>
+            <p:cNvPr id="18" name="グループ化 17">
+              <a:extLst>
+                <a:ext uri="{FF2B5EF4-FFF2-40B4-BE49-F238E27FC236}">
+                  <a16:creationId xmlns:a16="http://schemas.microsoft.com/office/drawing/2014/main" id="{139A3730-7874-4B85-B9F5-D3D1ACC1ADDF}"/>
+                </a:ext>
+              </a:extLst>
+            </p:cNvPr>
+            <p:cNvGrpSpPr/>
+            <p:nvPr/>
+          </p:nvGrpSpPr>
+          <p:grpSpPr>
+            <a:xfrm>
+              <a:off x="5176861" y="2724988"/>
+              <a:ext cx="3423586" cy="2778758"/>
+              <a:chOff x="5176861" y="2724988"/>
+              <a:chExt cx="3423586" cy="2778758"/>
+            </a:xfrm>
+          </p:grpSpPr>
+          <p:sp>
+            <p:nvSpPr>
+              <p:cNvPr id="5" name="テキスト ボックス 4">
+                <a:extLst>
+                  <a:ext uri="{FF2B5EF4-FFF2-40B4-BE49-F238E27FC236}">
+                    <a16:creationId xmlns:a16="http://schemas.microsoft.com/office/drawing/2014/main" id="{0A9B1ECD-5F33-44F9-8FC6-032083A69979}"/>
+                  </a:ext>
+                </a:extLst>
+              </p:cNvPr>
+              <p:cNvSpPr txBox="1"/>
+              <p:nvPr/>
+            </p:nvSpPr>
+            <p:spPr>
+              <a:xfrm>
+                <a:off x="5176861" y="2724988"/>
+                <a:ext cx="619626" cy="430887"/>
+              </a:xfrm>
+              <a:prstGeom prst="rect">
+                <a:avLst/>
+              </a:prstGeom>
+              <a:noFill/>
+            </p:spPr>
+            <p:txBody>
+              <a:bodyPr wrap="square" rtlCol="0" anchor="ctr">
+                <a:spAutoFit/>
+              </a:bodyPr>
+              <a:lstStyle/>
+              <a:p>
+                <a:pPr algn="ctr"/>
+                <a:r>
+                  <a:rPr kumimoji="1" lang="ja-JP" altLang="en-US" sz="2200" dirty="0"/>
+                  <a:t>①</a:t>
+                </a:r>
+              </a:p>
+            </p:txBody>
+          </p:sp>
+          <p:sp>
+            <p:nvSpPr>
+              <p:cNvPr id="6" name="テキスト ボックス 5">
+                <a:extLst>
+                  <a:ext uri="{FF2B5EF4-FFF2-40B4-BE49-F238E27FC236}">
+                    <a16:creationId xmlns:a16="http://schemas.microsoft.com/office/drawing/2014/main" id="{B6D58645-9679-4484-94B9-B77BD8957593}"/>
+                  </a:ext>
+                </a:extLst>
+              </p:cNvPr>
+              <p:cNvSpPr txBox="1"/>
+              <p:nvPr/>
+            </p:nvSpPr>
+            <p:spPr>
+              <a:xfrm>
+                <a:off x="6134974" y="5072859"/>
+                <a:ext cx="619626" cy="430887"/>
+              </a:xfrm>
+              <a:prstGeom prst="rect">
+                <a:avLst/>
+              </a:prstGeom>
+              <a:noFill/>
+            </p:spPr>
+            <p:txBody>
+              <a:bodyPr wrap="square" rtlCol="0" anchor="ctr">
+                <a:spAutoFit/>
+              </a:bodyPr>
+              <a:lstStyle/>
+              <a:p>
+                <a:pPr algn="ctr"/>
+                <a:r>
+                  <a:rPr kumimoji="1" lang="ja-JP" altLang="en-US" sz="2200" dirty="0"/>
+                  <a:t>②</a:t>
+                </a:r>
+              </a:p>
+            </p:txBody>
+          </p:sp>
+          <p:sp>
+            <p:nvSpPr>
+              <p:cNvPr id="7" name="テキスト ボックス 6">
+                <a:extLst>
+                  <a:ext uri="{FF2B5EF4-FFF2-40B4-BE49-F238E27FC236}">
+                    <a16:creationId xmlns:a16="http://schemas.microsoft.com/office/drawing/2014/main" id="{D678D913-1919-457B-BBE8-33DE08178CDA}"/>
+                  </a:ext>
+                </a:extLst>
+              </p:cNvPr>
+              <p:cNvSpPr txBox="1"/>
+              <p:nvPr/>
+            </p:nvSpPr>
+            <p:spPr>
+              <a:xfrm>
+                <a:off x="6384576" y="3473762"/>
+                <a:ext cx="619626" cy="430887"/>
+              </a:xfrm>
+              <a:prstGeom prst="rect">
+                <a:avLst/>
+              </a:prstGeom>
+              <a:noFill/>
+            </p:spPr>
+            <p:txBody>
+              <a:bodyPr wrap="square" rtlCol="0" anchor="ctr">
+                <a:spAutoFit/>
+              </a:bodyPr>
+              <a:lstStyle/>
+              <a:p>
+                <a:pPr algn="ctr"/>
+                <a:r>
+                  <a:rPr kumimoji="1" lang="ja-JP" altLang="en-US" sz="2200" dirty="0"/>
+                  <a:t>③</a:t>
+                </a:r>
+              </a:p>
+            </p:txBody>
+          </p:sp>
+          <p:sp>
+            <p:nvSpPr>
+              <p:cNvPr id="8" name="テキスト ボックス 7">
+                <a:extLst>
+                  <a:ext uri="{FF2B5EF4-FFF2-40B4-BE49-F238E27FC236}">
+                    <a16:creationId xmlns:a16="http://schemas.microsoft.com/office/drawing/2014/main" id="{C60887E6-329F-42B7-8891-59FB856051CD}"/>
+                  </a:ext>
+                </a:extLst>
+              </p:cNvPr>
+              <p:cNvSpPr txBox="1"/>
+              <p:nvPr/>
+            </p:nvSpPr>
+            <p:spPr>
+              <a:xfrm>
+                <a:off x="7980821" y="3727331"/>
+                <a:ext cx="619626" cy="430887"/>
+              </a:xfrm>
+              <a:prstGeom prst="rect">
+                <a:avLst/>
+              </a:prstGeom>
+              <a:noFill/>
+            </p:spPr>
+            <p:txBody>
+              <a:bodyPr wrap="square" rtlCol="0" anchor="ctr">
+                <a:spAutoFit/>
+              </a:bodyPr>
+              <a:lstStyle/>
+              <a:p>
+                <a:pPr algn="ctr"/>
+                <a:r>
+                  <a:rPr kumimoji="1" lang="ja-JP" altLang="en-US" sz="2200" dirty="0"/>
+                  <a:t>④</a:t>
+                </a:r>
+              </a:p>
+            </p:txBody>
+          </p:sp>
+        </p:grpSp>
+        <p:pic>
+          <p:nvPicPr>
+            <p:cNvPr id="17" name="グラフィックス 16">
+              <a:extLst>
+                <a:ext uri="{FF2B5EF4-FFF2-40B4-BE49-F238E27FC236}">
+                  <a16:creationId xmlns:a16="http://schemas.microsoft.com/office/drawing/2014/main" id="{EEC2C505-B776-412E-9822-C3ABC817A7C2}"/>
+                </a:ext>
+              </a:extLst>
+            </p:cNvPr>
+            <p:cNvPicPr>
+              <a:picLocks noChangeAspect="1"/>
+            </p:cNvPicPr>
+            <p:nvPr/>
+          </p:nvPicPr>
+          <p:blipFill rotWithShape="1">
+            <a:blip r:embed="rId6">
+              <a:extLst>
+                <a:ext uri="{28A0092B-C50C-407E-A947-70E740481C1C}">
+                  <a14:useLocalDpi xmlns:a14="http://schemas.microsoft.com/office/drawing/2010/main" val="0"/>
+                </a:ext>
+                <a:ext uri="{96DAC541-7B7A-43D3-8B79-37D633B846F1}">
+                  <asvg:svgBlip xmlns:asvg="http://schemas.microsoft.com/office/drawing/2016/SVG/main" r:embed="rId7"/>
+                </a:ext>
+              </a:extLst>
+            </a:blip>
+            <a:srcRect l="5343" t="8063" r="7838" b="6092"/>
+            <a:stretch/>
+          </p:blipFill>
+          <p:spPr>
+            <a:xfrm>
+              <a:off x="4531584" y="1773229"/>
+              <a:ext cx="4511377" cy="4460858"/>
+            </a:xfrm>
+            <a:prstGeom prst="rect">
+              <a:avLst/>
+            </a:prstGeom>
+          </p:spPr>
+        </p:pic>
+      </p:grpSp>
+      <p:cxnSp>
+        <p:nvCxnSpPr>
+          <p:cNvPr id="27" name="直線矢印コネクタ 26">
+            <a:extLst>
+              <a:ext uri="{FF2B5EF4-FFF2-40B4-BE49-F238E27FC236}">
+                <a16:creationId xmlns:a16="http://schemas.microsoft.com/office/drawing/2014/main" id="{7F87D7D9-6D4A-4B67-931E-D503A3BA1D92}"/>
+              </a:ext>
+            </a:extLst>
+          </p:cNvPr>
+          <p:cNvCxnSpPr>
+            <a:cxnSpLocks/>
+          </p:cNvCxnSpPr>
+          <p:nvPr/>
+        </p:nvCxnSpPr>
+        <p:spPr>
+          <a:xfrm>
+            <a:off x="4940790" y="6335132"/>
+            <a:ext cx="4001133" cy="0"/>
+          </a:xfrm>
+          <a:prstGeom prst="straightConnector1">
+            <a:avLst/>
+          </a:prstGeom>
+          <a:ln w="57150">
+            <a:solidFill>
+              <a:schemeClr val="tx1"/>
+            </a:solidFill>
+            <a:tailEnd type="triangle"/>
+          </a:ln>
+        </p:spPr>
+        <p:style>
+          <a:lnRef idx="1">
+            <a:schemeClr val="accent1"/>
+          </a:lnRef>
+          <a:fillRef idx="0">
+            <a:schemeClr val="accent1"/>
+          </a:fillRef>
+          <a:effectRef idx="0">
+            <a:schemeClr val="accent1"/>
+          </a:effectRef>
+          <a:fontRef idx="minor">
+            <a:schemeClr val="tx1"/>
+          </a:fontRef>
+        </p:style>
+      </p:cxnSp>
+      <mc:AlternateContent xmlns:mc="http://schemas.openxmlformats.org/markup-compatibility/2006">
+        <mc:Choice xmlns:a14="http://schemas.microsoft.com/office/drawing/2010/main" Requires="a14">
+          <p:sp>
+            <p:nvSpPr>
+              <p:cNvPr id="25" name="テキスト ボックス 24">
+                <a:extLst>
+                  <a:ext uri="{FF2B5EF4-FFF2-40B4-BE49-F238E27FC236}">
+                    <a16:creationId xmlns:a16="http://schemas.microsoft.com/office/drawing/2014/main" id="{74416651-41E6-42E8-B088-FF6D41635B3F}"/>
+                  </a:ext>
+                </a:extLst>
+              </p:cNvPr>
+              <p:cNvSpPr txBox="1"/>
+              <p:nvPr/>
+            </p:nvSpPr>
+            <p:spPr>
+              <a:xfrm>
+                <a:off x="6681029" y="6143523"/>
+                <a:ext cx="520653" cy="400110"/>
+              </a:xfrm>
+              <a:prstGeom prst="rect">
+                <a:avLst/>
+              </a:prstGeom>
+              <a:solidFill>
+                <a:schemeClr val="bg1"/>
+              </a:solidFill>
+              <a:ln>
+                <a:solidFill>
+                  <a:schemeClr val="tx1"/>
+                </a:solidFill>
+              </a:ln>
+            </p:spPr>
+            <p:txBody>
+              <a:bodyPr wrap="square">
+                <a:spAutoFit/>
+              </a:bodyPr>
+              <a:lstStyle/>
+              <a:p>
+                <a:pPr/>
+                <a14:m>
+                  <m:oMathPara xmlns:m="http://schemas.openxmlformats.org/officeDocument/2006/math">
+                    <m:oMathParaPr>
+                      <m:jc m:val="centerGroup"/>
+                    </m:oMathParaPr>
+                    <m:oMath xmlns:m="http://schemas.openxmlformats.org/officeDocument/2006/math">
+                      <m:sSub>
+                        <m:sSubPr>
+                          <m:ctrlPr>
+                            <a:rPr lang="en-US" altLang="ja-JP" sz="2000" i="1" smtClean="0">
+                              <a:latin typeface="Cambria Math" panose="02040503050406030204" pitchFamily="18" charset="0"/>
+                            </a:rPr>
+                          </m:ctrlPr>
+                        </m:sSubPr>
+                        <m:e>
+                          <m:r>
+                            <a:rPr lang="en-US" altLang="ja-JP" sz="2000" i="1">
+                              <a:latin typeface="Cambria Math" panose="02040503050406030204" pitchFamily="18" charset="0"/>
+                            </a:rPr>
+                            <m:t>𝑆</m:t>
+                          </m:r>
+                        </m:e>
+                        <m:sub>
+                          <m:r>
+                            <a:rPr lang="en-US" altLang="ja-JP" sz="2000" i="1">
+                              <a:latin typeface="Cambria Math" panose="02040503050406030204" pitchFamily="18" charset="0"/>
+                            </a:rPr>
+                            <m:t>𝑤</m:t>
+                          </m:r>
+                        </m:sub>
+                      </m:sSub>
+                    </m:oMath>
+                  </m:oMathPara>
+                </a14:m>
+                <a:endParaRPr lang="ja-JP" altLang="en-US" sz="2000" dirty="0"/>
+              </a:p>
+            </p:txBody>
+          </p:sp>
+        </mc:Choice>
+        <mc:Fallback>
+          <p:sp>
+            <p:nvSpPr>
+              <p:cNvPr id="25" name="テキスト ボックス 24">
+                <a:extLst>
+                  <a:ext uri="{FF2B5EF4-FFF2-40B4-BE49-F238E27FC236}">
+                    <a16:creationId xmlns:a16="http://schemas.microsoft.com/office/drawing/2014/main" id="{74416651-41E6-42E8-B088-FF6D41635B3F}"/>
+                  </a:ext>
+                </a:extLst>
+              </p:cNvPr>
+              <p:cNvSpPr txBox="1">
+                <a:spLocks noRot="1" noChangeAspect="1" noMove="1" noResize="1" noEditPoints="1" noAdjustHandles="1" noChangeArrowheads="1" noChangeShapeType="1" noTextEdit="1"/>
+              </p:cNvSpPr>
+              <p:nvPr/>
+            </p:nvSpPr>
+            <p:spPr>
+              <a:xfrm>
+                <a:off x="6681029" y="6143523"/>
+                <a:ext cx="520653" cy="400110"/>
+              </a:xfrm>
+              <a:prstGeom prst="rect">
+                <a:avLst/>
+              </a:prstGeom>
+              <a:blipFill>
+                <a:blip r:embed="rId8"/>
+                <a:stretch>
+                  <a:fillRect/>
+                </a:stretch>
+              </a:blipFill>
+              <a:ln>
+                <a:solidFill>
+                  <a:schemeClr val="tx1"/>
+                </a:solidFill>
+              </a:ln>
             </p:spPr>
             <p:txBody>
               <a:bodyPr/>

--- a/Intro2ResSim/RelPermAppUsingMATLAB.pptx
+++ b/Intro2ResSim/RelPermAppUsingMATLAB.pptx
@@ -140,12 +140,12 @@
   <pc:docChgLst>
     <pc:chgData name="hirose taichi" userId="ed2dc4b0-8795-4813-ada8-f41a239e7d7d" providerId="ADAL" clId="{9FD0E68F-00A3-44DE-92CB-65710725A129}"/>
     <pc:docChg chg="undo custSel modSld">
-      <pc:chgData name="hirose taichi" userId="ed2dc4b0-8795-4813-ada8-f41a239e7d7d" providerId="ADAL" clId="{9FD0E68F-00A3-44DE-92CB-65710725A129}" dt="2022-11-02T13:46:36.271" v="189" actId="1036"/>
+      <pc:chgData name="hirose taichi" userId="ed2dc4b0-8795-4813-ada8-f41a239e7d7d" providerId="ADAL" clId="{9FD0E68F-00A3-44DE-92CB-65710725A129}" dt="2022-11-02T15:14:08.709" v="317" actId="12788"/>
       <pc:docMkLst>
         <pc:docMk/>
       </pc:docMkLst>
       <pc:sldChg chg="addSp delSp modSp mod">
-        <pc:chgData name="hirose taichi" userId="ed2dc4b0-8795-4813-ada8-f41a239e7d7d" providerId="ADAL" clId="{9FD0E68F-00A3-44DE-92CB-65710725A129}" dt="2022-11-02T13:32:30.765" v="5" actId="1076"/>
+        <pc:chgData name="hirose taichi" userId="ed2dc4b0-8795-4813-ada8-f41a239e7d7d" providerId="ADAL" clId="{9FD0E68F-00A3-44DE-92CB-65710725A129}" dt="2022-11-02T15:14:08.709" v="317" actId="12788"/>
         <pc:sldMkLst>
           <pc:docMk/>
           <pc:sldMk cId="1368677357" sldId="260"/>
@@ -175,7 +175,7 @@
           </ac:picMkLst>
         </pc:picChg>
         <pc:picChg chg="add mod">
-          <ac:chgData name="hirose taichi" userId="ed2dc4b0-8795-4813-ada8-f41a239e7d7d" providerId="ADAL" clId="{9FD0E68F-00A3-44DE-92CB-65710725A129}" dt="2022-11-02T13:32:30.765" v="5" actId="1076"/>
+          <ac:chgData name="hirose taichi" userId="ed2dc4b0-8795-4813-ada8-f41a239e7d7d" providerId="ADAL" clId="{9FD0E68F-00A3-44DE-92CB-65710725A129}" dt="2022-11-02T15:14:08.709" v="317" actId="12788"/>
           <ac:picMkLst>
             <pc:docMk/>
             <pc:sldMk cId="1368677357" sldId="260"/>
@@ -184,7 +184,7 @@
         </pc:picChg>
       </pc:sldChg>
       <pc:sldChg chg="addSp delSp modSp mod">
-        <pc:chgData name="hirose taichi" userId="ed2dc4b0-8795-4813-ada8-f41a239e7d7d" providerId="ADAL" clId="{9FD0E68F-00A3-44DE-92CB-65710725A129}" dt="2022-11-02T13:46:36.271" v="189" actId="1036"/>
+        <pc:chgData name="hirose taichi" userId="ed2dc4b0-8795-4813-ada8-f41a239e7d7d" providerId="ADAL" clId="{9FD0E68F-00A3-44DE-92CB-65710725A129}" dt="2022-11-02T14:58:58.174" v="314" actId="171"/>
         <pc:sldMkLst>
           <pc:docMk/>
           <pc:sldMk cId="4128609991" sldId="261"/>
@@ -230,7 +230,7 @@
           </ac:spMkLst>
         </pc:spChg>
         <pc:spChg chg="add mod ord">
-          <ac:chgData name="hirose taichi" userId="ed2dc4b0-8795-4813-ada8-f41a239e7d7d" providerId="ADAL" clId="{9FD0E68F-00A3-44DE-92CB-65710725A129}" dt="2022-11-02T13:45:31.554" v="108" actId="14100"/>
+          <ac:chgData name="hirose taichi" userId="ed2dc4b0-8795-4813-ada8-f41a239e7d7d" providerId="ADAL" clId="{9FD0E68F-00A3-44DE-92CB-65710725A129}" dt="2022-11-02T14:58:58.174" v="314" actId="171"/>
           <ac:spMkLst>
             <pc:docMk/>
             <pc:sldMk cId="4128609991" sldId="261"/>
@@ -238,7 +238,7 @@
           </ac:spMkLst>
         </pc:spChg>
         <pc:spChg chg="add mod ord">
-          <ac:chgData name="hirose taichi" userId="ed2dc4b0-8795-4813-ada8-f41a239e7d7d" providerId="ADAL" clId="{9FD0E68F-00A3-44DE-92CB-65710725A129}" dt="2022-11-02T13:45:26.853" v="107" actId="14100"/>
+          <ac:chgData name="hirose taichi" userId="ed2dc4b0-8795-4813-ada8-f41a239e7d7d" providerId="ADAL" clId="{9FD0E68F-00A3-44DE-92CB-65710725A129}" dt="2022-11-02T14:58:52.035" v="313" actId="171"/>
           <ac:spMkLst>
             <pc:docMk/>
             <pc:sldMk cId="4128609991" sldId="261"/>
@@ -286,7 +286,7 @@
           </ac:grpSpMkLst>
         </pc:grpChg>
         <pc:grpChg chg="add mod ord">
-          <ac:chgData name="hirose taichi" userId="ed2dc4b0-8795-4813-ada8-f41a239e7d7d" providerId="ADAL" clId="{9FD0E68F-00A3-44DE-92CB-65710725A129}" dt="2022-11-02T13:45:34.780" v="114" actId="170"/>
+          <ac:chgData name="hirose taichi" userId="ed2dc4b0-8795-4813-ada8-f41a239e7d7d" providerId="ADAL" clId="{9FD0E68F-00A3-44DE-92CB-65710725A129}" dt="2022-11-02T14:58:44.846" v="310" actId="171"/>
           <ac:grpSpMkLst>
             <pc:docMk/>
             <pc:sldMk cId="4128609991" sldId="261"/>
@@ -325,8 +325,8 @@
             <ac:picMk id="15" creationId="{0C451603-1374-4D5D-A513-7DB3936A3894}"/>
           </ac:picMkLst>
         </pc:picChg>
-        <pc:picChg chg="add mod modCrop">
-          <ac:chgData name="hirose taichi" userId="ed2dc4b0-8795-4813-ada8-f41a239e7d7d" providerId="ADAL" clId="{9FD0E68F-00A3-44DE-92CB-65710725A129}" dt="2022-11-02T13:42:56.790" v="59" actId="164"/>
+        <pc:picChg chg="add mod ord modCrop">
+          <ac:chgData name="hirose taichi" userId="ed2dc4b0-8795-4813-ada8-f41a239e7d7d" providerId="ADAL" clId="{9FD0E68F-00A3-44DE-92CB-65710725A129}" dt="2022-11-02T14:56:04.055" v="247" actId="171"/>
           <ac:picMkLst>
             <pc:docMk/>
             <pc:sldMk cId="4128609991" sldId="261"/>
@@ -12952,8 +12952,8 @@
         </p:blipFill>
         <p:spPr>
           <a:xfrm>
-            <a:off x="0" y="1109247"/>
-            <a:ext cx="9144000" cy="5486400"/>
+            <a:off x="265227" y="1109247"/>
+            <a:ext cx="8613547" cy="5486400"/>
           </a:xfrm>
           <a:prstGeom prst="rect">
             <a:avLst/>
@@ -12990,6 +12990,340 @@
           <a:chExt cx="0" cy="0"/>
         </a:xfrm>
       </p:grpSpPr>
+      <p:sp>
+        <p:nvSpPr>
+          <p:cNvPr id="21" name="正方形/長方形 20">
+            <a:extLst>
+              <a:ext uri="{FF2B5EF4-FFF2-40B4-BE49-F238E27FC236}">
+                <a16:creationId xmlns:a16="http://schemas.microsoft.com/office/drawing/2014/main" id="{6C13BE68-E7CE-413C-9860-B3F9A3BB9223}"/>
+              </a:ext>
+            </a:extLst>
+          </p:cNvPr>
+          <p:cNvSpPr/>
+          <p:nvPr/>
+        </p:nvSpPr>
+        <p:spPr>
+          <a:xfrm>
+            <a:off x="8047730" y="1830676"/>
+            <a:ext cx="922280" cy="3929052"/>
+          </a:xfrm>
+          <a:prstGeom prst="rect">
+            <a:avLst/>
+          </a:prstGeom>
+          <a:solidFill>
+            <a:srgbClr val="D5FFCE"/>
+          </a:solidFill>
+          <a:ln w="12700">
+            <a:solidFill>
+              <a:schemeClr val="tx1"/>
+            </a:solidFill>
+            <a:prstDash val="sysDash"/>
+          </a:ln>
+        </p:spPr>
+        <p:style>
+          <a:lnRef idx="2">
+            <a:schemeClr val="accent1">
+              <a:shade val="50000"/>
+            </a:schemeClr>
+          </a:lnRef>
+          <a:fillRef idx="1">
+            <a:schemeClr val="accent1"/>
+          </a:fillRef>
+          <a:effectRef idx="0">
+            <a:schemeClr val="accent1"/>
+          </a:effectRef>
+          <a:fontRef idx="minor">
+            <a:schemeClr val="lt1"/>
+          </a:fontRef>
+        </p:style>
+        <p:txBody>
+          <a:bodyPr rtlCol="0" anchor="ctr"/>
+          <a:lstStyle/>
+          <a:p>
+            <a:pPr algn="ctr"/>
+            <a:endParaRPr kumimoji="1" lang="ja-JP" altLang="en-US"/>
+          </a:p>
+        </p:txBody>
+      </p:sp>
+      <p:sp>
+        <p:nvSpPr>
+          <p:cNvPr id="20" name="正方形/長方形 19">
+            <a:extLst>
+              <a:ext uri="{FF2B5EF4-FFF2-40B4-BE49-F238E27FC236}">
+                <a16:creationId xmlns:a16="http://schemas.microsoft.com/office/drawing/2014/main" id="{5B7021A8-FC30-42AD-BB5D-0D005E988A0F}"/>
+              </a:ext>
+            </a:extLst>
+          </p:cNvPr>
+          <p:cNvSpPr/>
+          <p:nvPr/>
+        </p:nvSpPr>
+        <p:spPr>
+          <a:xfrm>
+            <a:off x="4940790" y="1830676"/>
+            <a:ext cx="922280" cy="3924000"/>
+          </a:xfrm>
+          <a:prstGeom prst="rect">
+            <a:avLst/>
+          </a:prstGeom>
+          <a:solidFill>
+            <a:srgbClr val="D5FFFF"/>
+          </a:solidFill>
+          <a:ln w="12700">
+            <a:solidFill>
+              <a:schemeClr val="tx1"/>
+            </a:solidFill>
+            <a:prstDash val="sysDash"/>
+          </a:ln>
+        </p:spPr>
+        <p:style>
+          <a:lnRef idx="2">
+            <a:schemeClr val="accent1">
+              <a:shade val="50000"/>
+            </a:schemeClr>
+          </a:lnRef>
+          <a:fillRef idx="1">
+            <a:schemeClr val="accent1"/>
+          </a:fillRef>
+          <a:effectRef idx="0">
+            <a:schemeClr val="accent1"/>
+          </a:effectRef>
+          <a:fontRef idx="minor">
+            <a:schemeClr val="lt1"/>
+          </a:fontRef>
+        </p:style>
+        <p:txBody>
+          <a:bodyPr rtlCol="0" anchor="ctr"/>
+          <a:lstStyle/>
+          <a:p>
+            <a:pPr algn="ctr"/>
+            <a:endParaRPr kumimoji="1" lang="ja-JP" altLang="en-US"/>
+          </a:p>
+        </p:txBody>
+      </p:sp>
+      <p:grpSp>
+        <p:nvGrpSpPr>
+          <p:cNvPr id="19" name="グループ化 18">
+            <a:extLst>
+              <a:ext uri="{FF2B5EF4-FFF2-40B4-BE49-F238E27FC236}">
+                <a16:creationId xmlns:a16="http://schemas.microsoft.com/office/drawing/2014/main" id="{743F2122-1F10-42CE-B608-D4FACED010C4}"/>
+              </a:ext>
+            </a:extLst>
+          </p:cNvPr>
+          <p:cNvGrpSpPr/>
+          <p:nvPr/>
+        </p:nvGrpSpPr>
+        <p:grpSpPr>
+          <a:xfrm>
+            <a:off x="4572000" y="1631775"/>
+            <a:ext cx="4511377" cy="4460858"/>
+            <a:chOff x="4531584" y="1773229"/>
+            <a:chExt cx="4511377" cy="4460858"/>
+          </a:xfrm>
+        </p:grpSpPr>
+        <p:pic>
+          <p:nvPicPr>
+            <p:cNvPr id="17" name="グラフィックス 16">
+              <a:extLst>
+                <a:ext uri="{FF2B5EF4-FFF2-40B4-BE49-F238E27FC236}">
+                  <a16:creationId xmlns:a16="http://schemas.microsoft.com/office/drawing/2014/main" id="{EEC2C505-B776-412E-9822-C3ABC817A7C2}"/>
+                </a:ext>
+              </a:extLst>
+            </p:cNvPr>
+            <p:cNvPicPr>
+              <a:picLocks noChangeAspect="1"/>
+            </p:cNvPicPr>
+            <p:nvPr/>
+          </p:nvPicPr>
+          <p:blipFill rotWithShape="1">
+            <a:blip r:embed="rId3">
+              <a:extLst>
+                <a:ext uri="{28A0092B-C50C-407E-A947-70E740481C1C}">
+                  <a14:useLocalDpi xmlns:a14="http://schemas.microsoft.com/office/drawing/2010/main" val="0"/>
+                </a:ext>
+                <a:ext uri="{96DAC541-7B7A-43D3-8B79-37D633B846F1}">
+                  <asvg:svgBlip xmlns:asvg="http://schemas.microsoft.com/office/drawing/2016/SVG/main" r:embed="rId4"/>
+                </a:ext>
+              </a:extLst>
+            </a:blip>
+            <a:srcRect l="5343" t="8063" r="7838" b="6092"/>
+            <a:stretch/>
+          </p:blipFill>
+          <p:spPr>
+            <a:xfrm>
+              <a:off x="4531584" y="1773229"/>
+              <a:ext cx="4511377" cy="4460858"/>
+            </a:xfrm>
+            <a:prstGeom prst="rect">
+              <a:avLst/>
+            </a:prstGeom>
+          </p:spPr>
+        </p:pic>
+        <p:grpSp>
+          <p:nvGrpSpPr>
+            <p:cNvPr id="18" name="グループ化 17">
+              <a:extLst>
+                <a:ext uri="{FF2B5EF4-FFF2-40B4-BE49-F238E27FC236}">
+                  <a16:creationId xmlns:a16="http://schemas.microsoft.com/office/drawing/2014/main" id="{139A3730-7874-4B85-B9F5-D3D1ACC1ADDF}"/>
+                </a:ext>
+              </a:extLst>
+            </p:cNvPr>
+            <p:cNvGrpSpPr/>
+            <p:nvPr/>
+          </p:nvGrpSpPr>
+          <p:grpSpPr>
+            <a:xfrm>
+              <a:off x="5176861" y="2724988"/>
+              <a:ext cx="3423586" cy="2778758"/>
+              <a:chOff x="5176861" y="2724988"/>
+              <a:chExt cx="3423586" cy="2778758"/>
+            </a:xfrm>
+          </p:grpSpPr>
+          <p:sp>
+            <p:nvSpPr>
+              <p:cNvPr id="5" name="テキスト ボックス 4">
+                <a:extLst>
+                  <a:ext uri="{FF2B5EF4-FFF2-40B4-BE49-F238E27FC236}">
+                    <a16:creationId xmlns:a16="http://schemas.microsoft.com/office/drawing/2014/main" id="{0A9B1ECD-5F33-44F9-8FC6-032083A69979}"/>
+                  </a:ext>
+                </a:extLst>
+              </p:cNvPr>
+              <p:cNvSpPr txBox="1"/>
+              <p:nvPr/>
+            </p:nvSpPr>
+            <p:spPr>
+              <a:xfrm>
+                <a:off x="5176861" y="2724988"/>
+                <a:ext cx="619626" cy="430887"/>
+              </a:xfrm>
+              <a:prstGeom prst="rect">
+                <a:avLst/>
+              </a:prstGeom>
+              <a:noFill/>
+            </p:spPr>
+            <p:txBody>
+              <a:bodyPr wrap="square" rtlCol="0" anchor="ctr">
+                <a:spAutoFit/>
+              </a:bodyPr>
+              <a:lstStyle/>
+              <a:p>
+                <a:pPr algn="ctr"/>
+                <a:r>
+                  <a:rPr kumimoji="1" lang="ja-JP" altLang="en-US" sz="2200" dirty="0"/>
+                  <a:t>①</a:t>
+                </a:r>
+              </a:p>
+            </p:txBody>
+          </p:sp>
+          <p:sp>
+            <p:nvSpPr>
+              <p:cNvPr id="6" name="テキスト ボックス 5">
+                <a:extLst>
+                  <a:ext uri="{FF2B5EF4-FFF2-40B4-BE49-F238E27FC236}">
+                    <a16:creationId xmlns:a16="http://schemas.microsoft.com/office/drawing/2014/main" id="{B6D58645-9679-4484-94B9-B77BD8957593}"/>
+                  </a:ext>
+                </a:extLst>
+              </p:cNvPr>
+              <p:cNvSpPr txBox="1"/>
+              <p:nvPr/>
+            </p:nvSpPr>
+            <p:spPr>
+              <a:xfrm>
+                <a:off x="6134974" y="5072859"/>
+                <a:ext cx="619626" cy="430887"/>
+              </a:xfrm>
+              <a:prstGeom prst="rect">
+                <a:avLst/>
+              </a:prstGeom>
+              <a:noFill/>
+            </p:spPr>
+            <p:txBody>
+              <a:bodyPr wrap="square" rtlCol="0" anchor="ctr">
+                <a:spAutoFit/>
+              </a:bodyPr>
+              <a:lstStyle/>
+              <a:p>
+                <a:pPr algn="ctr"/>
+                <a:r>
+                  <a:rPr kumimoji="1" lang="ja-JP" altLang="en-US" sz="2200" dirty="0"/>
+                  <a:t>②</a:t>
+                </a:r>
+              </a:p>
+            </p:txBody>
+          </p:sp>
+          <p:sp>
+            <p:nvSpPr>
+              <p:cNvPr id="7" name="テキスト ボックス 6">
+                <a:extLst>
+                  <a:ext uri="{FF2B5EF4-FFF2-40B4-BE49-F238E27FC236}">
+                    <a16:creationId xmlns:a16="http://schemas.microsoft.com/office/drawing/2014/main" id="{D678D913-1919-457B-BBE8-33DE08178CDA}"/>
+                  </a:ext>
+                </a:extLst>
+              </p:cNvPr>
+              <p:cNvSpPr txBox="1"/>
+              <p:nvPr/>
+            </p:nvSpPr>
+            <p:spPr>
+              <a:xfrm>
+                <a:off x="6384576" y="3473762"/>
+                <a:ext cx="619626" cy="430887"/>
+              </a:xfrm>
+              <a:prstGeom prst="rect">
+                <a:avLst/>
+              </a:prstGeom>
+              <a:noFill/>
+            </p:spPr>
+            <p:txBody>
+              <a:bodyPr wrap="square" rtlCol="0" anchor="ctr">
+                <a:spAutoFit/>
+              </a:bodyPr>
+              <a:lstStyle/>
+              <a:p>
+                <a:pPr algn="ctr"/>
+                <a:r>
+                  <a:rPr kumimoji="1" lang="ja-JP" altLang="en-US" sz="2200" dirty="0"/>
+                  <a:t>③</a:t>
+                </a:r>
+              </a:p>
+            </p:txBody>
+          </p:sp>
+          <p:sp>
+            <p:nvSpPr>
+              <p:cNvPr id="8" name="テキスト ボックス 7">
+                <a:extLst>
+                  <a:ext uri="{FF2B5EF4-FFF2-40B4-BE49-F238E27FC236}">
+                    <a16:creationId xmlns:a16="http://schemas.microsoft.com/office/drawing/2014/main" id="{C60887E6-329F-42B7-8891-59FB856051CD}"/>
+                  </a:ext>
+                </a:extLst>
+              </p:cNvPr>
+              <p:cNvSpPr txBox="1"/>
+              <p:nvPr/>
+            </p:nvSpPr>
+            <p:spPr>
+              <a:xfrm>
+                <a:off x="7980821" y="3727331"/>
+                <a:ext cx="619626" cy="430887"/>
+              </a:xfrm>
+              <a:prstGeom prst="rect">
+                <a:avLst/>
+              </a:prstGeom>
+              <a:noFill/>
+            </p:spPr>
+            <p:txBody>
+              <a:bodyPr wrap="square" rtlCol="0" anchor="ctr">
+                <a:spAutoFit/>
+              </a:bodyPr>
+              <a:lstStyle/>
+              <a:p>
+                <a:pPr algn="ctr"/>
+                <a:r>
+                  <a:rPr kumimoji="1" lang="ja-JP" altLang="en-US" sz="2200" dirty="0"/>
+                  <a:t>④</a:t>
+                </a:r>
+              </a:p>
+            </p:txBody>
+          </p:sp>
+        </p:grpSp>
+      </p:grpSp>
       <mc:AlternateContent xmlns:mc="http://schemas.openxmlformats.org/markup-compatibility/2006" xmlns:a14="http://schemas.microsoft.com/office/drawing/2010/main">
         <mc:Choice Requires="a14">
           <p:sp>
@@ -13459,7 +13793,7 @@
                 <a:ext cx="3943350" cy="4667249"/>
               </a:xfrm>
               <a:blipFill>
-                <a:blip r:embed="rId3"/>
+                <a:blip r:embed="rId5"/>
                 <a:stretch>
                   <a:fillRect l="-2318"/>
                 </a:stretch>
@@ -13512,112 +13846,8 @@
           </a:p>
         </p:txBody>
       </p:sp>
-      <p:sp>
-        <p:nvSpPr>
-          <p:cNvPr id="21" name="正方形/長方形 20">
-            <a:extLst>
-              <a:ext uri="{FF2B5EF4-FFF2-40B4-BE49-F238E27FC236}">
-                <a16:creationId xmlns:a16="http://schemas.microsoft.com/office/drawing/2014/main" id="{6C13BE68-E7CE-413C-9860-B3F9A3BB9223}"/>
-              </a:ext>
-            </a:extLst>
-          </p:cNvPr>
-          <p:cNvSpPr/>
-          <p:nvPr/>
-        </p:nvSpPr>
-        <p:spPr>
-          <a:xfrm>
-            <a:off x="8057834" y="1825624"/>
-            <a:ext cx="922280" cy="3943684"/>
-          </a:xfrm>
-          <a:prstGeom prst="rect">
-            <a:avLst/>
-          </a:prstGeom>
-          <a:solidFill>
-            <a:srgbClr val="D5FFCE"/>
-          </a:solidFill>
-          <a:ln>
-            <a:noFill/>
-          </a:ln>
-        </p:spPr>
-        <p:style>
-          <a:lnRef idx="2">
-            <a:schemeClr val="accent1">
-              <a:shade val="50000"/>
-            </a:schemeClr>
-          </a:lnRef>
-          <a:fillRef idx="1">
-            <a:schemeClr val="accent1"/>
-          </a:fillRef>
-          <a:effectRef idx="0">
-            <a:schemeClr val="accent1"/>
-          </a:effectRef>
-          <a:fontRef idx="minor">
-            <a:schemeClr val="lt1"/>
-          </a:fontRef>
-        </p:style>
-        <p:txBody>
-          <a:bodyPr rtlCol="0" anchor="ctr"/>
-          <a:lstStyle/>
-          <a:p>
-            <a:pPr algn="ctr"/>
-            <a:endParaRPr kumimoji="1" lang="ja-JP" altLang="en-US"/>
-          </a:p>
-        </p:txBody>
-      </p:sp>
-      <p:sp>
-        <p:nvSpPr>
-          <p:cNvPr id="20" name="正方形/長方形 19">
-            <a:extLst>
-              <a:ext uri="{FF2B5EF4-FFF2-40B4-BE49-F238E27FC236}">
-                <a16:creationId xmlns:a16="http://schemas.microsoft.com/office/drawing/2014/main" id="{5B7021A8-FC30-42AD-BB5D-0D005E988A0F}"/>
-              </a:ext>
-            </a:extLst>
-          </p:cNvPr>
-          <p:cNvSpPr/>
-          <p:nvPr/>
-        </p:nvSpPr>
-        <p:spPr>
-          <a:xfrm>
-            <a:off x="4940790" y="1825625"/>
-            <a:ext cx="922280" cy="3943684"/>
-          </a:xfrm>
-          <a:prstGeom prst="rect">
-            <a:avLst/>
-          </a:prstGeom>
-          <a:solidFill>
-            <a:srgbClr val="D5FFFF"/>
-          </a:solidFill>
-          <a:ln>
-            <a:noFill/>
-          </a:ln>
-        </p:spPr>
-        <p:style>
-          <a:lnRef idx="2">
-            <a:schemeClr val="accent1">
-              <a:shade val="50000"/>
-            </a:schemeClr>
-          </a:lnRef>
-          <a:fillRef idx="1">
-            <a:schemeClr val="accent1"/>
-          </a:fillRef>
-          <a:effectRef idx="0">
-            <a:schemeClr val="accent1"/>
-          </a:effectRef>
-          <a:fontRef idx="minor">
-            <a:schemeClr val="lt1"/>
-          </a:fontRef>
-        </p:style>
-        <p:txBody>
-          <a:bodyPr rtlCol="0" anchor="ctr"/>
-          <a:lstStyle/>
-          <a:p>
-            <a:pPr algn="ctr"/>
-            <a:endParaRPr kumimoji="1" lang="ja-JP" altLang="en-US"/>
-          </a:p>
-        </p:txBody>
-      </p:sp>
-      <mc:AlternateContent xmlns:mc="http://schemas.openxmlformats.org/markup-compatibility/2006">
-        <mc:Choice xmlns:a14="http://schemas.microsoft.com/office/drawing/2010/main" Requires="a14">
+      <mc:AlternateContent xmlns:mc="http://schemas.openxmlformats.org/markup-compatibility/2006" xmlns:a14="http://schemas.microsoft.com/office/drawing/2010/main">
+        <mc:Choice Requires="a14">
           <p:sp>
             <p:nvSpPr>
               <p:cNvPr id="23" name="テキスト ボックス 22">
@@ -13692,7 +13922,7 @@
             </p:txBody>
           </p:sp>
         </mc:Choice>
-        <mc:Fallback>
+        <mc:Fallback xmlns="">
           <p:sp>
             <p:nvSpPr>
               <p:cNvPr id="23" name="テキスト ボックス 22">
@@ -13716,7 +13946,7 @@
                 <a:avLst/>
               </a:prstGeom>
               <a:blipFill>
-                <a:blip r:embed="rId4"/>
+                <a:blip r:embed="rId6"/>
                 <a:stretch>
                   <a:fillRect/>
                 </a:stretch>
@@ -13737,8 +13967,8 @@
           </p:sp>
         </mc:Fallback>
       </mc:AlternateContent>
-      <mc:AlternateContent xmlns:mc="http://schemas.openxmlformats.org/markup-compatibility/2006">
-        <mc:Choice xmlns:a14="http://schemas.microsoft.com/office/drawing/2010/main" Requires="a14">
+      <mc:AlternateContent xmlns:mc="http://schemas.openxmlformats.org/markup-compatibility/2006" xmlns:a14="http://schemas.microsoft.com/office/drawing/2010/main">
+        <mc:Choice Requires="a14">
           <p:sp>
             <p:nvSpPr>
               <p:cNvPr id="24" name="テキスト ボックス 23">
@@ -13807,7 +14037,7 @@
             </p:txBody>
           </p:sp>
         </mc:Choice>
-        <mc:Fallback>
+        <mc:Fallback xmlns="">
           <p:sp>
             <p:nvSpPr>
               <p:cNvPr id="24" name="テキスト ボックス 23">
@@ -13831,7 +14061,7 @@
                 <a:avLst/>
               </a:prstGeom>
               <a:blipFill>
-                <a:blip r:embed="rId5"/>
+                <a:blip r:embed="rId7"/>
                 <a:stretch>
                   <a:fillRect/>
                 </a:stretch>
@@ -13852,230 +14082,6 @@
           </p:sp>
         </mc:Fallback>
       </mc:AlternateContent>
-      <p:grpSp>
-        <p:nvGrpSpPr>
-          <p:cNvPr id="19" name="グループ化 18">
-            <a:extLst>
-              <a:ext uri="{FF2B5EF4-FFF2-40B4-BE49-F238E27FC236}">
-                <a16:creationId xmlns:a16="http://schemas.microsoft.com/office/drawing/2014/main" id="{743F2122-1F10-42CE-B608-D4FACED010C4}"/>
-              </a:ext>
-            </a:extLst>
-          </p:cNvPr>
-          <p:cNvGrpSpPr/>
-          <p:nvPr/>
-        </p:nvGrpSpPr>
-        <p:grpSpPr>
-          <a:xfrm>
-            <a:off x="4572000" y="1631775"/>
-            <a:ext cx="4511377" cy="4460858"/>
-            <a:chOff x="4531584" y="1773229"/>
-            <a:chExt cx="4511377" cy="4460858"/>
-          </a:xfrm>
-        </p:grpSpPr>
-        <p:grpSp>
-          <p:nvGrpSpPr>
-            <p:cNvPr id="18" name="グループ化 17">
-              <a:extLst>
-                <a:ext uri="{FF2B5EF4-FFF2-40B4-BE49-F238E27FC236}">
-                  <a16:creationId xmlns:a16="http://schemas.microsoft.com/office/drawing/2014/main" id="{139A3730-7874-4B85-B9F5-D3D1ACC1ADDF}"/>
-                </a:ext>
-              </a:extLst>
-            </p:cNvPr>
-            <p:cNvGrpSpPr/>
-            <p:nvPr/>
-          </p:nvGrpSpPr>
-          <p:grpSpPr>
-            <a:xfrm>
-              <a:off x="5176861" y="2724988"/>
-              <a:ext cx="3423586" cy="2778758"/>
-              <a:chOff x="5176861" y="2724988"/>
-              <a:chExt cx="3423586" cy="2778758"/>
-            </a:xfrm>
-          </p:grpSpPr>
-          <p:sp>
-            <p:nvSpPr>
-              <p:cNvPr id="5" name="テキスト ボックス 4">
-                <a:extLst>
-                  <a:ext uri="{FF2B5EF4-FFF2-40B4-BE49-F238E27FC236}">
-                    <a16:creationId xmlns:a16="http://schemas.microsoft.com/office/drawing/2014/main" id="{0A9B1ECD-5F33-44F9-8FC6-032083A69979}"/>
-                  </a:ext>
-                </a:extLst>
-              </p:cNvPr>
-              <p:cNvSpPr txBox="1"/>
-              <p:nvPr/>
-            </p:nvSpPr>
-            <p:spPr>
-              <a:xfrm>
-                <a:off x="5176861" y="2724988"/>
-                <a:ext cx="619626" cy="430887"/>
-              </a:xfrm>
-              <a:prstGeom prst="rect">
-                <a:avLst/>
-              </a:prstGeom>
-              <a:noFill/>
-            </p:spPr>
-            <p:txBody>
-              <a:bodyPr wrap="square" rtlCol="0" anchor="ctr">
-                <a:spAutoFit/>
-              </a:bodyPr>
-              <a:lstStyle/>
-              <a:p>
-                <a:pPr algn="ctr"/>
-                <a:r>
-                  <a:rPr kumimoji="1" lang="ja-JP" altLang="en-US" sz="2200" dirty="0"/>
-                  <a:t>①</a:t>
-                </a:r>
-              </a:p>
-            </p:txBody>
-          </p:sp>
-          <p:sp>
-            <p:nvSpPr>
-              <p:cNvPr id="6" name="テキスト ボックス 5">
-                <a:extLst>
-                  <a:ext uri="{FF2B5EF4-FFF2-40B4-BE49-F238E27FC236}">
-                    <a16:creationId xmlns:a16="http://schemas.microsoft.com/office/drawing/2014/main" id="{B6D58645-9679-4484-94B9-B77BD8957593}"/>
-                  </a:ext>
-                </a:extLst>
-              </p:cNvPr>
-              <p:cNvSpPr txBox="1"/>
-              <p:nvPr/>
-            </p:nvSpPr>
-            <p:spPr>
-              <a:xfrm>
-                <a:off x="6134974" y="5072859"/>
-                <a:ext cx="619626" cy="430887"/>
-              </a:xfrm>
-              <a:prstGeom prst="rect">
-                <a:avLst/>
-              </a:prstGeom>
-              <a:noFill/>
-            </p:spPr>
-            <p:txBody>
-              <a:bodyPr wrap="square" rtlCol="0" anchor="ctr">
-                <a:spAutoFit/>
-              </a:bodyPr>
-              <a:lstStyle/>
-              <a:p>
-                <a:pPr algn="ctr"/>
-                <a:r>
-                  <a:rPr kumimoji="1" lang="ja-JP" altLang="en-US" sz="2200" dirty="0"/>
-                  <a:t>②</a:t>
-                </a:r>
-              </a:p>
-            </p:txBody>
-          </p:sp>
-          <p:sp>
-            <p:nvSpPr>
-              <p:cNvPr id="7" name="テキスト ボックス 6">
-                <a:extLst>
-                  <a:ext uri="{FF2B5EF4-FFF2-40B4-BE49-F238E27FC236}">
-                    <a16:creationId xmlns:a16="http://schemas.microsoft.com/office/drawing/2014/main" id="{D678D913-1919-457B-BBE8-33DE08178CDA}"/>
-                  </a:ext>
-                </a:extLst>
-              </p:cNvPr>
-              <p:cNvSpPr txBox="1"/>
-              <p:nvPr/>
-            </p:nvSpPr>
-            <p:spPr>
-              <a:xfrm>
-                <a:off x="6384576" y="3473762"/>
-                <a:ext cx="619626" cy="430887"/>
-              </a:xfrm>
-              <a:prstGeom prst="rect">
-                <a:avLst/>
-              </a:prstGeom>
-              <a:noFill/>
-            </p:spPr>
-            <p:txBody>
-              <a:bodyPr wrap="square" rtlCol="0" anchor="ctr">
-                <a:spAutoFit/>
-              </a:bodyPr>
-              <a:lstStyle/>
-              <a:p>
-                <a:pPr algn="ctr"/>
-                <a:r>
-                  <a:rPr kumimoji="1" lang="ja-JP" altLang="en-US" sz="2200" dirty="0"/>
-                  <a:t>③</a:t>
-                </a:r>
-              </a:p>
-            </p:txBody>
-          </p:sp>
-          <p:sp>
-            <p:nvSpPr>
-              <p:cNvPr id="8" name="テキスト ボックス 7">
-                <a:extLst>
-                  <a:ext uri="{FF2B5EF4-FFF2-40B4-BE49-F238E27FC236}">
-                    <a16:creationId xmlns:a16="http://schemas.microsoft.com/office/drawing/2014/main" id="{C60887E6-329F-42B7-8891-59FB856051CD}"/>
-                  </a:ext>
-                </a:extLst>
-              </p:cNvPr>
-              <p:cNvSpPr txBox="1"/>
-              <p:nvPr/>
-            </p:nvSpPr>
-            <p:spPr>
-              <a:xfrm>
-                <a:off x="7980821" y="3727331"/>
-                <a:ext cx="619626" cy="430887"/>
-              </a:xfrm>
-              <a:prstGeom prst="rect">
-                <a:avLst/>
-              </a:prstGeom>
-              <a:noFill/>
-            </p:spPr>
-            <p:txBody>
-              <a:bodyPr wrap="square" rtlCol="0" anchor="ctr">
-                <a:spAutoFit/>
-              </a:bodyPr>
-              <a:lstStyle/>
-              <a:p>
-                <a:pPr algn="ctr"/>
-                <a:r>
-                  <a:rPr kumimoji="1" lang="ja-JP" altLang="en-US" sz="2200" dirty="0"/>
-                  <a:t>④</a:t>
-                </a:r>
-              </a:p>
-            </p:txBody>
-          </p:sp>
-        </p:grpSp>
-        <p:pic>
-          <p:nvPicPr>
-            <p:cNvPr id="17" name="グラフィックス 16">
-              <a:extLst>
-                <a:ext uri="{FF2B5EF4-FFF2-40B4-BE49-F238E27FC236}">
-                  <a16:creationId xmlns:a16="http://schemas.microsoft.com/office/drawing/2014/main" id="{EEC2C505-B776-412E-9822-C3ABC817A7C2}"/>
-                </a:ext>
-              </a:extLst>
-            </p:cNvPr>
-            <p:cNvPicPr>
-              <a:picLocks noChangeAspect="1"/>
-            </p:cNvPicPr>
-            <p:nvPr/>
-          </p:nvPicPr>
-          <p:blipFill rotWithShape="1">
-            <a:blip r:embed="rId6">
-              <a:extLst>
-                <a:ext uri="{28A0092B-C50C-407E-A947-70E740481C1C}">
-                  <a14:useLocalDpi xmlns:a14="http://schemas.microsoft.com/office/drawing/2010/main" val="0"/>
-                </a:ext>
-                <a:ext uri="{96DAC541-7B7A-43D3-8B79-37D633B846F1}">
-                  <asvg:svgBlip xmlns:asvg="http://schemas.microsoft.com/office/drawing/2016/SVG/main" r:embed="rId7"/>
-                </a:ext>
-              </a:extLst>
-            </a:blip>
-            <a:srcRect l="5343" t="8063" r="7838" b="6092"/>
-            <a:stretch/>
-          </p:blipFill>
-          <p:spPr>
-            <a:xfrm>
-              <a:off x="4531584" y="1773229"/>
-              <a:ext cx="4511377" cy="4460858"/>
-            </a:xfrm>
-            <a:prstGeom prst="rect">
-              <a:avLst/>
-            </a:prstGeom>
-          </p:spPr>
-        </p:pic>
-      </p:grpSp>
       <p:cxnSp>
         <p:nvCxnSpPr>
           <p:cNvPr id="27" name="直線矢印コネクタ 26">
@@ -14120,8 +14126,8 @@
           </a:fontRef>
         </p:style>
       </p:cxnSp>
-      <mc:AlternateContent xmlns:mc="http://schemas.openxmlformats.org/markup-compatibility/2006">
-        <mc:Choice xmlns:a14="http://schemas.microsoft.com/office/drawing/2010/main" Requires="a14">
+      <mc:AlternateContent xmlns:mc="http://schemas.openxmlformats.org/markup-compatibility/2006" xmlns:a14="http://schemas.microsoft.com/office/drawing/2010/main">
+        <mc:Choice Requires="a14">
           <p:sp>
             <p:nvSpPr>
               <p:cNvPr id="25" name="テキスト ボックス 24">
@@ -14197,7 +14203,7 @@
             </p:txBody>
           </p:sp>
         </mc:Choice>
-        <mc:Fallback>
+        <mc:Fallback xmlns="">
           <p:sp>
             <p:nvSpPr>
               <p:cNvPr id="25" name="テキスト ボックス 24">
